--- a/Tour/Web前端技术_布局.pptx
+++ b/Tour/Web前端技术_布局.pptx
@@ -11,6 +11,25 @@
     <p:sldId id="259" r:id="rId5"/>
     <p:sldId id="260" r:id="rId6"/>
     <p:sldId id="261" r:id="rId7"/>
+    <p:sldId id="262" r:id="rId8"/>
+    <p:sldId id="263" r:id="rId9"/>
+    <p:sldId id="264" r:id="rId10"/>
+    <p:sldId id="265" r:id="rId11"/>
+    <p:sldId id="266" r:id="rId12"/>
+    <p:sldId id="267" r:id="rId13"/>
+    <p:sldId id="268" r:id="rId14"/>
+    <p:sldId id="269" r:id="rId15"/>
+    <p:sldId id="270" r:id="rId16"/>
+    <p:sldId id="271" r:id="rId17"/>
+    <p:sldId id="272" r:id="rId18"/>
+    <p:sldId id="273" r:id="rId19"/>
+    <p:sldId id="274" r:id="rId20"/>
+    <p:sldId id="275" r:id="rId21"/>
+    <p:sldId id="276" r:id="rId22"/>
+    <p:sldId id="277" r:id="rId23"/>
+    <p:sldId id="278" r:id="rId24"/>
+    <p:sldId id="279" r:id="rId25"/>
+    <p:sldId id="280" r:id="rId26"/>
   </p:sldIdLst>
   <p:sldSz cx="9144000" cy="6858000" type="screen4x3"/>
   <p:notesSz cx="6858000" cy="9144000"/>
@@ -1924,7 +1943,7 @@
           <a:p>
             <a:fld id="{EF6B6D2C-0481-4146-9B6A-279C71BBC68B}" type="datetimeFigureOut">
               <a:rPr lang="zh-CN" altLang="en-US" smtClean="0"/>
-              <a:t>2013/9/10</a:t>
+              <a:t>2013/12/5</a:t>
             </a:fld>
             <a:endParaRPr lang="zh-CN" altLang="en-US"/>
           </a:p>
@@ -2105,7 +2124,7 @@
           <a:p>
             <a:fld id="{EF6B6D2C-0481-4146-9B6A-279C71BBC68B}" type="datetimeFigureOut">
               <a:rPr lang="zh-CN" altLang="en-US" smtClean="0"/>
-              <a:t>2013/9/10</a:t>
+              <a:t>2013/12/5</a:t>
             </a:fld>
             <a:endParaRPr lang="zh-CN" altLang="en-US"/>
           </a:p>
@@ -2256,7 +2275,7 @@
           <a:p>
             <a:fld id="{EF6B6D2C-0481-4146-9B6A-279C71BBC68B}" type="datetimeFigureOut">
               <a:rPr lang="zh-CN" altLang="en-US" smtClean="0"/>
-              <a:t>2013/9/10</a:t>
+              <a:t>2013/12/5</a:t>
             </a:fld>
             <a:endParaRPr lang="zh-CN" altLang="en-US"/>
           </a:p>
@@ -4082,7 +4101,7 @@
           <a:p>
             <a:fld id="{EF6B6D2C-0481-4146-9B6A-279C71BBC68B}" type="datetimeFigureOut">
               <a:rPr lang="zh-CN" altLang="en-US" smtClean="0"/>
-              <a:t>2013/9/10</a:t>
+              <a:t>2013/12/5</a:t>
             </a:fld>
             <a:endParaRPr lang="zh-CN" altLang="en-US"/>
           </a:p>
@@ -5952,7 +5971,7 @@
           <a:p>
             <a:fld id="{EF6B6D2C-0481-4146-9B6A-279C71BBC68B}" type="datetimeFigureOut">
               <a:rPr lang="zh-CN" altLang="en-US" smtClean="0"/>
-              <a:t>2013/9/10</a:t>
+              <a:t>2013/12/5</a:t>
             </a:fld>
             <a:endParaRPr lang="zh-CN" altLang="en-US"/>
           </a:p>
@@ -6065,7 +6084,7 @@
           <a:p>
             <a:fld id="{EF6B6D2C-0481-4146-9B6A-279C71BBC68B}" type="datetimeFigureOut">
               <a:rPr lang="zh-CN" altLang="en-US" smtClean="0"/>
-              <a:t>2013/9/10</a:t>
+              <a:t>2013/12/5</a:t>
             </a:fld>
             <a:endParaRPr lang="zh-CN" altLang="en-US"/>
           </a:p>
@@ -6606,7 +6625,7 @@
           <a:p>
             <a:fld id="{EF6B6D2C-0481-4146-9B6A-279C71BBC68B}" type="datetimeFigureOut">
               <a:rPr lang="zh-CN" altLang="en-US" smtClean="0"/>
-              <a:t>2013/9/10</a:t>
+              <a:t>2013/12/5</a:t>
             </a:fld>
             <a:endParaRPr lang="zh-CN" altLang="en-US"/>
           </a:p>
@@ -6719,7 +6738,7 @@
           <a:p>
             <a:fld id="{EF6B6D2C-0481-4146-9B6A-279C71BBC68B}" type="datetimeFigureOut">
               <a:rPr lang="zh-CN" altLang="en-US" smtClean="0"/>
-              <a:t>2013/9/10</a:t>
+              <a:t>2013/12/5</a:t>
             </a:fld>
             <a:endParaRPr lang="zh-CN" altLang="en-US"/>
           </a:p>
@@ -8430,7 +8449,7 @@
           <a:p>
             <a:fld id="{EF6B6D2C-0481-4146-9B6A-279C71BBC68B}" type="datetimeFigureOut">
               <a:rPr lang="zh-CN" altLang="en-US" smtClean="0"/>
-              <a:t>2013/9/10</a:t>
+              <a:t>2013/12/5</a:t>
             </a:fld>
             <a:endParaRPr lang="zh-CN" altLang="en-US"/>
           </a:p>
@@ -8581,7 +8600,7 @@
           <a:p>
             <a:fld id="{EF6B6D2C-0481-4146-9B6A-279C71BBC68B}" type="datetimeFigureOut">
               <a:rPr lang="zh-CN" altLang="en-US" smtClean="0"/>
-              <a:t>2013/9/10</a:t>
+              <a:t>2013/12/5</a:t>
             </a:fld>
             <a:endParaRPr lang="zh-CN" altLang="en-US"/>
           </a:p>
@@ -12196,7 +12215,7 @@
           <a:p>
             <a:fld id="{EF6B6D2C-0481-4146-9B6A-279C71BBC68B}" type="datetimeFigureOut">
               <a:rPr lang="zh-CN" altLang="en-US" smtClean="0"/>
-              <a:t>2013/9/10</a:t>
+              <a:t>2013/12/5</a:t>
             </a:fld>
             <a:endParaRPr lang="zh-CN" altLang="en-US"/>
           </a:p>
@@ -14055,7 +14074,7 @@
           <a:p>
             <a:fld id="{EF6B6D2C-0481-4146-9B6A-279C71BBC68B}" type="datetimeFigureOut">
               <a:rPr lang="zh-CN" altLang="en-US" smtClean="0"/>
-              <a:t>2013/9/10</a:t>
+              <a:t>2013/12/5</a:t>
             </a:fld>
             <a:endParaRPr lang="zh-CN" altLang="en-US"/>
           </a:p>
@@ -14634,6 +14653,1451 @@
 </p:sld>
 </file>
 
+<file path=ppt/slides/slide10.xml><?xml version="1.0" encoding="utf-8"?>
+<p:sld xmlns:a="http://schemas.openxmlformats.org/drawingml/2006/main" xmlns:r="http://schemas.openxmlformats.org/officeDocument/2006/relationships" xmlns:p="http://schemas.openxmlformats.org/presentationml/2006/main">
+  <p:cSld>
+    <p:spTree>
+      <p:nvGrpSpPr>
+        <p:cNvPr id="1" name=""/>
+        <p:cNvGrpSpPr/>
+        <p:nvPr/>
+      </p:nvGrpSpPr>
+      <p:grpSpPr>
+        <a:xfrm>
+          <a:off x="0" y="0"/>
+          <a:ext cx="0" cy="0"/>
+          <a:chOff x="0" y="0"/>
+          <a:chExt cx="0" cy="0"/>
+        </a:xfrm>
+      </p:grpSpPr>
+      <p:sp>
+        <p:nvSpPr>
+          <p:cNvPr id="3" name="标题 2"/>
+          <p:cNvSpPr>
+            <a:spLocks noGrp="1"/>
+          </p:cNvSpPr>
+          <p:nvPr>
+            <p:ph type="title"/>
+          </p:nvPr>
+        </p:nvSpPr>
+        <p:spPr/>
+        <p:txBody>
+          <a:bodyPr/>
+          <a:lstStyle/>
+          <a:p>
+            <a:r>
+              <a:rPr lang="zh-CN" altLang="en-US" dirty="0" smtClean="0"/>
+              <a:t>布局相关元素</a:t>
+            </a:r>
+            <a:endParaRPr lang="zh-CN" altLang="en-US" dirty="0"/>
+          </a:p>
+        </p:txBody>
+      </p:sp>
+      <p:sp>
+        <p:nvSpPr>
+          <p:cNvPr id="5" name="文本占位符 4"/>
+          <p:cNvSpPr>
+            <a:spLocks noGrp="1"/>
+          </p:cNvSpPr>
+          <p:nvPr>
+            <p:ph type="body" idx="1"/>
+          </p:nvPr>
+        </p:nvSpPr>
+        <p:spPr/>
+        <p:txBody>
+          <a:bodyPr/>
+          <a:lstStyle/>
+          <a:p>
+            <a:r>
+              <a:rPr lang="zh-CN" altLang="en-US" dirty="0"/>
+              <a:t>块级</a:t>
+            </a:r>
+          </a:p>
+        </p:txBody>
+      </p:sp>
+      <p:sp>
+        <p:nvSpPr>
+          <p:cNvPr id="2" name="内容占位符 1"/>
+          <p:cNvSpPr>
+            <a:spLocks noGrp="1"/>
+          </p:cNvSpPr>
+          <p:nvPr>
+            <p:ph sz="half" idx="2"/>
+          </p:nvPr>
+        </p:nvSpPr>
+        <p:spPr/>
+        <p:txBody>
+          <a:bodyPr>
+            <a:normAutofit fontScale="92500" lnSpcReduction="10000"/>
+          </a:bodyPr>
+          <a:lstStyle/>
+          <a:p>
+            <a:r>
+              <a:rPr lang="en-US" altLang="zh-CN" dirty="0" smtClean="0"/>
+              <a:t>table</a:t>
+            </a:r>
+          </a:p>
+          <a:p>
+            <a:r>
+              <a:rPr lang="en-US" altLang="zh-CN" dirty="0" smtClean="0"/>
+              <a:t>div</a:t>
+            </a:r>
+          </a:p>
+          <a:p>
+            <a:r>
+              <a:rPr lang="en-US" altLang="zh-CN" dirty="0"/>
+              <a:t>header</a:t>
+            </a:r>
+          </a:p>
+          <a:p>
+            <a:r>
+              <a:rPr lang="en-US" altLang="zh-CN" dirty="0" err="1"/>
+              <a:t>nav</a:t>
+            </a:r>
+            <a:endParaRPr lang="en-US" altLang="zh-CN" dirty="0"/>
+          </a:p>
+          <a:p>
+            <a:r>
+              <a:rPr lang="en-US" altLang="zh-CN" dirty="0"/>
+              <a:t>aside</a:t>
+            </a:r>
+          </a:p>
+          <a:p>
+            <a:r>
+              <a:rPr lang="en-US" altLang="zh-CN" dirty="0"/>
+              <a:t>section</a:t>
+            </a:r>
+          </a:p>
+          <a:p>
+            <a:r>
+              <a:rPr lang="en-US" altLang="zh-CN" dirty="0"/>
+              <a:t>footer</a:t>
+            </a:r>
+          </a:p>
+          <a:p>
+            <a:r>
+              <a:rPr lang="en-US" altLang="zh-CN" dirty="0"/>
+              <a:t>article</a:t>
+            </a:r>
+          </a:p>
+          <a:p>
+            <a:endParaRPr lang="en-US" altLang="zh-CN" dirty="0" smtClean="0"/>
+          </a:p>
+        </p:txBody>
+      </p:sp>
+      <p:sp>
+        <p:nvSpPr>
+          <p:cNvPr id="6" name="文本占位符 5"/>
+          <p:cNvSpPr>
+            <a:spLocks noGrp="1"/>
+          </p:cNvSpPr>
+          <p:nvPr>
+            <p:ph type="body" sz="quarter" idx="3"/>
+          </p:nvPr>
+        </p:nvSpPr>
+        <p:spPr/>
+        <p:txBody>
+          <a:bodyPr/>
+          <a:lstStyle/>
+          <a:p>
+            <a:r>
+              <a:rPr lang="zh-CN" altLang="en-US" dirty="0" smtClean="0"/>
+              <a:t>行级</a:t>
+            </a:r>
+            <a:endParaRPr lang="zh-CN" altLang="en-US" dirty="0"/>
+          </a:p>
+        </p:txBody>
+      </p:sp>
+      <p:sp>
+        <p:nvSpPr>
+          <p:cNvPr id="4" name="内容占位符 3"/>
+          <p:cNvSpPr>
+            <a:spLocks noGrp="1"/>
+          </p:cNvSpPr>
+          <p:nvPr>
+            <p:ph sz="quarter" idx="4"/>
+          </p:nvPr>
+        </p:nvSpPr>
+        <p:spPr/>
+        <p:txBody>
+          <a:bodyPr/>
+          <a:lstStyle/>
+          <a:p>
+            <a:r>
+              <a:rPr lang="en-US" altLang="zh-CN" dirty="0" smtClean="0"/>
+              <a:t>span</a:t>
+            </a:r>
+            <a:endParaRPr lang="en-US" altLang="zh-CN" dirty="0"/>
+          </a:p>
+          <a:p>
+            <a:endParaRPr lang="zh-CN" altLang="en-US" dirty="0"/>
+          </a:p>
+        </p:txBody>
+      </p:sp>
+    </p:spTree>
+    <p:extLst>
+      <p:ext uri="{BB962C8B-B14F-4D97-AF65-F5344CB8AC3E}">
+        <p14:creationId xmlns:p14="http://schemas.microsoft.com/office/powerpoint/2010/main" val="1764208192"/>
+      </p:ext>
+    </p:extLst>
+  </p:cSld>
+  <p:clrMapOvr>
+    <a:masterClrMapping/>
+  </p:clrMapOvr>
+</p:sld>
+</file>
+
+<file path=ppt/slides/slide11.xml><?xml version="1.0" encoding="utf-8"?>
+<p:sld xmlns:a="http://schemas.openxmlformats.org/drawingml/2006/main" xmlns:r="http://schemas.openxmlformats.org/officeDocument/2006/relationships" xmlns:p="http://schemas.openxmlformats.org/presentationml/2006/main">
+  <p:cSld>
+    <p:spTree>
+      <p:nvGrpSpPr>
+        <p:cNvPr id="1" name=""/>
+        <p:cNvGrpSpPr/>
+        <p:nvPr/>
+      </p:nvGrpSpPr>
+      <p:grpSpPr>
+        <a:xfrm>
+          <a:off x="0" y="0"/>
+          <a:ext cx="0" cy="0"/>
+          <a:chOff x="0" y="0"/>
+          <a:chExt cx="0" cy="0"/>
+        </a:xfrm>
+      </p:grpSpPr>
+      <p:sp>
+        <p:nvSpPr>
+          <p:cNvPr id="7" name="标题 6"/>
+          <p:cNvSpPr>
+            <a:spLocks noGrp="1"/>
+          </p:cNvSpPr>
+          <p:nvPr>
+            <p:ph type="title"/>
+          </p:nvPr>
+        </p:nvSpPr>
+        <p:spPr/>
+        <p:txBody>
+          <a:bodyPr/>
+          <a:lstStyle/>
+          <a:p>
+            <a:r>
+              <a:rPr lang="zh-CN" altLang="en-US" dirty="0" smtClean="0"/>
+              <a:t>布局相关</a:t>
+            </a:r>
+            <a:r>
+              <a:rPr lang="en-US" altLang="zh-CN" dirty="0" smtClean="0"/>
+              <a:t>CSS</a:t>
+            </a:r>
+            <a:endParaRPr lang="zh-CN" altLang="en-US" dirty="0"/>
+          </a:p>
+        </p:txBody>
+      </p:sp>
+      <p:sp>
+        <p:nvSpPr>
+          <p:cNvPr id="10" name="文本占位符 9"/>
+          <p:cNvSpPr>
+            <a:spLocks noGrp="1"/>
+          </p:cNvSpPr>
+          <p:nvPr>
+            <p:ph type="body" idx="1"/>
+          </p:nvPr>
+        </p:nvSpPr>
+        <p:spPr/>
+        <p:txBody>
+          <a:bodyPr/>
+          <a:lstStyle/>
+          <a:p>
+            <a:r>
+              <a:rPr lang="zh-CN" altLang="en-US" dirty="0" smtClean="0"/>
+              <a:t>盒模型</a:t>
+            </a:r>
+            <a:endParaRPr lang="zh-CN" altLang="en-US" dirty="0"/>
+          </a:p>
+        </p:txBody>
+      </p:sp>
+      <p:sp>
+        <p:nvSpPr>
+          <p:cNvPr id="8" name="内容占位符 7"/>
+          <p:cNvSpPr>
+            <a:spLocks noGrp="1"/>
+          </p:cNvSpPr>
+          <p:nvPr>
+            <p:ph sz="half" idx="2"/>
+          </p:nvPr>
+        </p:nvSpPr>
+        <p:spPr/>
+        <p:txBody>
+          <a:bodyPr>
+            <a:normAutofit fontScale="92500" lnSpcReduction="10000"/>
+          </a:bodyPr>
+          <a:lstStyle/>
+          <a:p>
+            <a:r>
+              <a:rPr lang="en-US" altLang="zh-CN" dirty="0" smtClean="0"/>
+              <a:t>width</a:t>
+            </a:r>
+          </a:p>
+          <a:p>
+            <a:r>
+              <a:rPr lang="en-US" altLang="zh-CN" dirty="0" smtClean="0"/>
+              <a:t>height</a:t>
+            </a:r>
+          </a:p>
+          <a:p>
+            <a:r>
+              <a:rPr lang="en-US" altLang="zh-CN" dirty="0" smtClean="0"/>
+              <a:t>top</a:t>
+            </a:r>
+          </a:p>
+          <a:p>
+            <a:r>
+              <a:rPr lang="en-US" altLang="zh-CN" dirty="0" smtClean="0"/>
+              <a:t>right</a:t>
+            </a:r>
+          </a:p>
+          <a:p>
+            <a:r>
+              <a:rPr lang="en-US" altLang="zh-CN" dirty="0" smtClean="0"/>
+              <a:t>bottom</a:t>
+            </a:r>
+          </a:p>
+          <a:p>
+            <a:r>
+              <a:rPr lang="en-US" altLang="zh-CN" dirty="0" smtClean="0"/>
+              <a:t>left</a:t>
+            </a:r>
+          </a:p>
+          <a:p>
+            <a:r>
+              <a:rPr lang="en-US" altLang="zh-CN" dirty="0" smtClean="0"/>
+              <a:t>margin</a:t>
+            </a:r>
+          </a:p>
+          <a:p>
+            <a:r>
+              <a:rPr lang="en-US" altLang="zh-CN" dirty="0" smtClean="0"/>
+              <a:t>padding</a:t>
+            </a:r>
+          </a:p>
+        </p:txBody>
+      </p:sp>
+      <p:sp>
+        <p:nvSpPr>
+          <p:cNvPr id="11" name="文本占位符 10"/>
+          <p:cNvSpPr>
+            <a:spLocks noGrp="1"/>
+          </p:cNvSpPr>
+          <p:nvPr>
+            <p:ph type="body" sz="quarter" idx="3"/>
+          </p:nvPr>
+        </p:nvSpPr>
+        <p:spPr/>
+        <p:txBody>
+          <a:bodyPr/>
+          <a:lstStyle/>
+          <a:p>
+            <a:r>
+              <a:rPr lang="zh-CN" altLang="en-US" dirty="0" smtClean="0"/>
+              <a:t>布局</a:t>
+            </a:r>
+            <a:endParaRPr lang="zh-CN" altLang="en-US" dirty="0"/>
+          </a:p>
+        </p:txBody>
+      </p:sp>
+      <p:sp>
+        <p:nvSpPr>
+          <p:cNvPr id="9" name="内容占位符 8"/>
+          <p:cNvSpPr>
+            <a:spLocks noGrp="1"/>
+          </p:cNvSpPr>
+          <p:nvPr>
+            <p:ph sz="quarter" idx="4"/>
+          </p:nvPr>
+        </p:nvSpPr>
+        <p:spPr/>
+        <p:txBody>
+          <a:bodyPr>
+            <a:normAutofit fontScale="92500" lnSpcReduction="10000"/>
+          </a:bodyPr>
+          <a:lstStyle/>
+          <a:p>
+            <a:r>
+              <a:rPr lang="en-US" altLang="zh-CN" dirty="0"/>
+              <a:t>position</a:t>
+            </a:r>
+          </a:p>
+          <a:p>
+            <a:r>
+              <a:rPr lang="en-US" altLang="zh-CN" dirty="0"/>
+              <a:t>display</a:t>
+            </a:r>
+          </a:p>
+          <a:p>
+            <a:r>
+              <a:rPr lang="en-US" altLang="zh-CN" dirty="0" smtClean="0"/>
+              <a:t>visibility</a:t>
+            </a:r>
+          </a:p>
+          <a:p>
+            <a:r>
+              <a:rPr lang="en-US" altLang="zh-CN" dirty="0" smtClean="0"/>
+              <a:t>z-index</a:t>
+            </a:r>
+          </a:p>
+          <a:p>
+            <a:r>
+              <a:rPr lang="en-US" altLang="zh-CN" dirty="0" smtClean="0"/>
+              <a:t>overflow</a:t>
+            </a:r>
+          </a:p>
+          <a:p>
+            <a:r>
+              <a:rPr lang="en-US" altLang="zh-CN" dirty="0" smtClean="0"/>
+              <a:t>transform</a:t>
+            </a:r>
+          </a:p>
+          <a:p>
+            <a:r>
+              <a:rPr lang="en-US" altLang="zh-CN" dirty="0"/>
+              <a:t>float</a:t>
+            </a:r>
+          </a:p>
+          <a:p>
+            <a:r>
+              <a:rPr lang="en-US" altLang="zh-CN" dirty="0"/>
+              <a:t>clear</a:t>
+            </a:r>
+            <a:endParaRPr lang="zh-CN" altLang="en-US" dirty="0"/>
+          </a:p>
+          <a:p>
+            <a:endParaRPr lang="zh-CN" altLang="en-US" dirty="0"/>
+          </a:p>
+        </p:txBody>
+      </p:sp>
+    </p:spTree>
+    <p:extLst>
+      <p:ext uri="{BB962C8B-B14F-4D97-AF65-F5344CB8AC3E}">
+        <p14:creationId xmlns:p14="http://schemas.microsoft.com/office/powerpoint/2010/main" val="99622214"/>
+      </p:ext>
+    </p:extLst>
+  </p:cSld>
+  <p:clrMapOvr>
+    <a:masterClrMapping/>
+  </p:clrMapOvr>
+</p:sld>
+</file>
+
+<file path=ppt/slides/slide12.xml><?xml version="1.0" encoding="utf-8"?>
+<p:sld xmlns:a="http://schemas.openxmlformats.org/drawingml/2006/main" xmlns:r="http://schemas.openxmlformats.org/officeDocument/2006/relationships" xmlns:p="http://schemas.openxmlformats.org/presentationml/2006/main">
+  <p:cSld>
+    <p:spTree>
+      <p:nvGrpSpPr>
+        <p:cNvPr id="1" name=""/>
+        <p:cNvGrpSpPr/>
+        <p:nvPr/>
+      </p:nvGrpSpPr>
+      <p:grpSpPr>
+        <a:xfrm>
+          <a:off x="0" y="0"/>
+          <a:ext cx="0" cy="0"/>
+          <a:chOff x="0" y="0"/>
+          <a:chExt cx="0" cy="0"/>
+        </a:xfrm>
+      </p:grpSpPr>
+      <p:sp>
+        <p:nvSpPr>
+          <p:cNvPr id="2" name="内容占位符 1"/>
+          <p:cNvSpPr>
+            <a:spLocks noGrp="1"/>
+          </p:cNvSpPr>
+          <p:nvPr>
+            <p:ph idx="1"/>
+          </p:nvPr>
+        </p:nvSpPr>
+        <p:spPr/>
+        <p:txBody>
+          <a:bodyPr/>
+          <a:lstStyle/>
+          <a:p>
+            <a:r>
+              <a:rPr lang="zh-CN" altLang="en-US" dirty="0"/>
+              <a:t>值</a:t>
+            </a:r>
+            <a:r>
+              <a:rPr lang="zh-CN" altLang="en-US" dirty="0" smtClean="0"/>
+              <a:t>表</a:t>
+            </a:r>
+            <a:endParaRPr lang="en-US" altLang="zh-CN" dirty="0" smtClean="0"/>
+          </a:p>
+          <a:p>
+            <a:pPr lvl="1"/>
+            <a:r>
+              <a:rPr lang="en-US" altLang="zh-CN" dirty="0"/>
+              <a:t>static | relative | absolute | fixed | inherit </a:t>
+            </a:r>
+            <a:endParaRPr lang="en-US" altLang="zh-CN" dirty="0" smtClean="0"/>
+          </a:p>
+          <a:p>
+            <a:r>
+              <a:rPr lang="zh-CN" altLang="en-US" dirty="0" smtClean="0"/>
+              <a:t>初始值</a:t>
+            </a:r>
+            <a:endParaRPr lang="en-US" altLang="zh-CN" dirty="0" smtClean="0"/>
+          </a:p>
+          <a:p>
+            <a:pPr lvl="1"/>
+            <a:r>
+              <a:rPr lang="en-US" altLang="zh-CN" dirty="0"/>
+              <a:t>static</a:t>
+            </a:r>
+            <a:endParaRPr lang="en-US" altLang="zh-CN" dirty="0" smtClean="0"/>
+          </a:p>
+          <a:p>
+            <a:r>
+              <a:rPr lang="zh-CN" altLang="en-US" dirty="0"/>
+              <a:t>应用</a:t>
+            </a:r>
+            <a:r>
+              <a:rPr lang="zh-CN" altLang="en-US" dirty="0" smtClean="0"/>
+              <a:t>范围</a:t>
+            </a:r>
+            <a:endParaRPr lang="en-US" altLang="zh-CN" dirty="0" smtClean="0"/>
+          </a:p>
+          <a:p>
+            <a:pPr lvl="1"/>
+            <a:r>
+              <a:rPr lang="zh-CN" altLang="en-US" dirty="0" smtClean="0"/>
+              <a:t>所有元素</a:t>
+            </a:r>
+            <a:endParaRPr lang="en-US" altLang="zh-CN" dirty="0" smtClean="0"/>
+          </a:p>
+          <a:p>
+            <a:r>
+              <a:rPr lang="zh-CN" altLang="en-US" dirty="0" smtClean="0"/>
+              <a:t>值不向下传递</a:t>
+            </a:r>
+            <a:endParaRPr lang="zh-CN" altLang="en-US" dirty="0"/>
+          </a:p>
+        </p:txBody>
+      </p:sp>
+      <p:sp>
+        <p:nvSpPr>
+          <p:cNvPr id="3" name="标题 2"/>
+          <p:cNvSpPr>
+            <a:spLocks noGrp="1"/>
+          </p:cNvSpPr>
+          <p:nvPr>
+            <p:ph type="title"/>
+          </p:nvPr>
+        </p:nvSpPr>
+        <p:spPr/>
+        <p:txBody>
+          <a:bodyPr/>
+          <a:lstStyle/>
+          <a:p>
+            <a:r>
+              <a:rPr lang="en-US" altLang="zh-CN" dirty="0" smtClean="0"/>
+              <a:t>position</a:t>
+            </a:r>
+            <a:endParaRPr lang="zh-CN" altLang="en-US" dirty="0"/>
+          </a:p>
+        </p:txBody>
+      </p:sp>
+    </p:spTree>
+    <p:extLst>
+      <p:ext uri="{BB962C8B-B14F-4D97-AF65-F5344CB8AC3E}">
+        <p14:creationId xmlns:p14="http://schemas.microsoft.com/office/powerpoint/2010/main" val="1305670878"/>
+      </p:ext>
+    </p:extLst>
+  </p:cSld>
+  <p:clrMapOvr>
+    <a:masterClrMapping/>
+  </p:clrMapOvr>
+</p:sld>
+</file>
+
+<file path=ppt/slides/slide13.xml><?xml version="1.0" encoding="utf-8"?>
+<p:sld xmlns:a="http://schemas.openxmlformats.org/drawingml/2006/main" xmlns:r="http://schemas.openxmlformats.org/officeDocument/2006/relationships" xmlns:p="http://schemas.openxmlformats.org/presentationml/2006/main">
+  <p:cSld>
+    <p:spTree>
+      <p:nvGrpSpPr>
+        <p:cNvPr id="1" name=""/>
+        <p:cNvGrpSpPr/>
+        <p:nvPr/>
+      </p:nvGrpSpPr>
+      <p:grpSpPr>
+        <a:xfrm>
+          <a:off x="0" y="0"/>
+          <a:ext cx="0" cy="0"/>
+          <a:chOff x="0" y="0"/>
+          <a:chExt cx="0" cy="0"/>
+        </a:xfrm>
+      </p:grpSpPr>
+      <p:sp>
+        <p:nvSpPr>
+          <p:cNvPr id="2" name="内容占位符 1"/>
+          <p:cNvSpPr>
+            <a:spLocks noGrp="1"/>
+          </p:cNvSpPr>
+          <p:nvPr>
+            <p:ph idx="1"/>
+          </p:nvPr>
+        </p:nvSpPr>
+        <p:spPr/>
+        <p:txBody>
+          <a:bodyPr/>
+          <a:lstStyle/>
+          <a:p>
+            <a:r>
+              <a:rPr lang="zh-CN" altLang="en-US" dirty="0" smtClean="0"/>
+              <a:t>该元素是个普通元素</a:t>
+            </a:r>
+            <a:endParaRPr lang="en-US" altLang="zh-CN" dirty="0" smtClean="0"/>
+          </a:p>
+          <a:p>
+            <a:r>
+              <a:rPr lang="zh-CN" altLang="en-US" dirty="0"/>
+              <a:t>该</a:t>
+            </a:r>
+            <a:r>
+              <a:rPr lang="zh-CN" altLang="en-US" dirty="0" smtClean="0"/>
+              <a:t>元素通过正常的流布局</a:t>
+            </a:r>
+            <a:endParaRPr lang="en-US" altLang="zh-CN" dirty="0" smtClean="0"/>
+          </a:p>
+          <a:p>
+            <a:r>
+              <a:rPr lang="en-US" altLang="zh-CN" dirty="0" smtClean="0"/>
+              <a:t>top, right, bottom, left </a:t>
+            </a:r>
+            <a:r>
+              <a:rPr lang="zh-CN" altLang="en-US" dirty="0" smtClean="0"/>
+              <a:t>属性无法应用于该元素</a:t>
+            </a:r>
+            <a:endParaRPr lang="zh-CN" altLang="en-US" dirty="0"/>
+          </a:p>
+        </p:txBody>
+      </p:sp>
+      <p:sp>
+        <p:nvSpPr>
+          <p:cNvPr id="3" name="标题 2"/>
+          <p:cNvSpPr>
+            <a:spLocks noGrp="1"/>
+          </p:cNvSpPr>
+          <p:nvPr>
+            <p:ph type="title"/>
+          </p:nvPr>
+        </p:nvSpPr>
+        <p:spPr/>
+        <p:txBody>
+          <a:bodyPr/>
+          <a:lstStyle/>
+          <a:p>
+            <a:r>
+              <a:rPr lang="en-US" altLang="zh-CN" dirty="0" smtClean="0"/>
+              <a:t>position - static</a:t>
+            </a:r>
+            <a:endParaRPr lang="zh-CN" altLang="en-US" dirty="0"/>
+          </a:p>
+        </p:txBody>
+      </p:sp>
+    </p:spTree>
+    <p:extLst>
+      <p:ext uri="{BB962C8B-B14F-4D97-AF65-F5344CB8AC3E}">
+        <p14:creationId xmlns:p14="http://schemas.microsoft.com/office/powerpoint/2010/main" val="3032801283"/>
+      </p:ext>
+    </p:extLst>
+  </p:cSld>
+  <p:clrMapOvr>
+    <a:masterClrMapping/>
+  </p:clrMapOvr>
+</p:sld>
+</file>
+
+<file path=ppt/slides/slide14.xml><?xml version="1.0" encoding="utf-8"?>
+<p:sld xmlns:a="http://schemas.openxmlformats.org/drawingml/2006/main" xmlns:r="http://schemas.openxmlformats.org/officeDocument/2006/relationships" xmlns:p="http://schemas.openxmlformats.org/presentationml/2006/main">
+  <p:cSld>
+    <p:spTree>
+      <p:nvGrpSpPr>
+        <p:cNvPr id="1" name=""/>
+        <p:cNvGrpSpPr/>
+        <p:nvPr/>
+      </p:nvGrpSpPr>
+      <p:grpSpPr>
+        <a:xfrm>
+          <a:off x="0" y="0"/>
+          <a:ext cx="0" cy="0"/>
+          <a:chOff x="0" y="0"/>
+          <a:chExt cx="0" cy="0"/>
+        </a:xfrm>
+      </p:grpSpPr>
+      <p:sp>
+        <p:nvSpPr>
+          <p:cNvPr id="2" name="内容占位符 1"/>
+          <p:cNvSpPr>
+            <a:spLocks noGrp="1"/>
+          </p:cNvSpPr>
+          <p:nvPr>
+            <p:ph idx="1"/>
+          </p:nvPr>
+        </p:nvSpPr>
+        <p:spPr/>
+        <p:txBody>
+          <a:bodyPr/>
+          <a:lstStyle/>
+          <a:p>
+            <a:r>
+              <a:rPr lang="zh-CN" altLang="en-US" dirty="0" smtClean="0"/>
+              <a:t>元素以正常流方式计算位置</a:t>
+            </a:r>
+            <a:endParaRPr lang="en-US" altLang="zh-CN" dirty="0" smtClean="0"/>
+          </a:p>
+          <a:p>
+            <a:r>
+              <a:rPr lang="en-US" altLang="zh-CN" dirty="0" smtClean="0"/>
+              <a:t>top, right, bottom, left </a:t>
+            </a:r>
+            <a:r>
+              <a:rPr lang="zh-CN" altLang="en-US" dirty="0" smtClean="0"/>
+              <a:t>属性以计算出的位置为基准移动元素</a:t>
+            </a:r>
+            <a:endParaRPr lang="zh-CN" altLang="en-US" dirty="0"/>
+          </a:p>
+        </p:txBody>
+      </p:sp>
+      <p:sp>
+        <p:nvSpPr>
+          <p:cNvPr id="3" name="标题 2"/>
+          <p:cNvSpPr>
+            <a:spLocks noGrp="1"/>
+          </p:cNvSpPr>
+          <p:nvPr>
+            <p:ph type="title"/>
+          </p:nvPr>
+        </p:nvSpPr>
+        <p:spPr/>
+        <p:txBody>
+          <a:bodyPr/>
+          <a:lstStyle/>
+          <a:p>
+            <a:r>
+              <a:rPr lang="en-US" altLang="zh-CN" dirty="0" smtClean="0"/>
+              <a:t>position - relative</a:t>
+            </a:r>
+            <a:endParaRPr lang="zh-CN" altLang="en-US" dirty="0"/>
+          </a:p>
+        </p:txBody>
+      </p:sp>
+    </p:spTree>
+    <p:extLst>
+      <p:ext uri="{BB962C8B-B14F-4D97-AF65-F5344CB8AC3E}">
+        <p14:creationId xmlns:p14="http://schemas.microsoft.com/office/powerpoint/2010/main" val="2274216051"/>
+      </p:ext>
+    </p:extLst>
+  </p:cSld>
+  <p:clrMapOvr>
+    <a:masterClrMapping/>
+  </p:clrMapOvr>
+</p:sld>
+</file>
+
+<file path=ppt/slides/slide15.xml><?xml version="1.0" encoding="utf-8"?>
+<p:sld xmlns:a="http://schemas.openxmlformats.org/drawingml/2006/main" xmlns:r="http://schemas.openxmlformats.org/officeDocument/2006/relationships" xmlns:p="http://schemas.openxmlformats.org/presentationml/2006/main">
+  <p:cSld>
+    <p:spTree>
+      <p:nvGrpSpPr>
+        <p:cNvPr id="1" name=""/>
+        <p:cNvGrpSpPr/>
+        <p:nvPr/>
+      </p:nvGrpSpPr>
+      <p:grpSpPr>
+        <a:xfrm>
+          <a:off x="0" y="0"/>
+          <a:ext cx="0" cy="0"/>
+          <a:chOff x="0" y="0"/>
+          <a:chExt cx="0" cy="0"/>
+        </a:xfrm>
+      </p:grpSpPr>
+      <p:sp>
+        <p:nvSpPr>
+          <p:cNvPr id="2" name="内容占位符 1"/>
+          <p:cNvSpPr>
+            <a:spLocks noGrp="1"/>
+          </p:cNvSpPr>
+          <p:nvPr>
+            <p:ph idx="1"/>
+          </p:nvPr>
+        </p:nvSpPr>
+        <p:spPr/>
+        <p:txBody>
+          <a:bodyPr>
+            <a:normAutofit lnSpcReduction="10000"/>
+          </a:bodyPr>
+          <a:lstStyle/>
+          <a:p>
+            <a:r>
+              <a:rPr lang="zh-CN" altLang="en-US" dirty="0" smtClean="0"/>
+              <a:t>元素在布局流之外（不占位置）</a:t>
+            </a:r>
+            <a:endParaRPr lang="en-US" altLang="zh-CN" dirty="0" smtClean="0"/>
+          </a:p>
+          <a:p>
+            <a:r>
+              <a:rPr lang="zh-CN" altLang="en-US" dirty="0" smtClean="0"/>
+              <a:t>如未指定元素尺寸，元素尺寸将匹配其内容</a:t>
+            </a:r>
+            <a:endParaRPr lang="en-US" altLang="zh-CN" dirty="0" smtClean="0"/>
+          </a:p>
+          <a:p>
+            <a:r>
+              <a:rPr lang="zh-CN" altLang="en-US" dirty="0" smtClean="0"/>
+              <a:t>如未指定元素位置，元素将在其原位置</a:t>
+            </a:r>
+            <a:endParaRPr lang="en-US" altLang="zh-CN" dirty="0" smtClean="0"/>
+          </a:p>
+          <a:p>
+            <a:r>
+              <a:rPr lang="en-US" altLang="zh-CN" dirty="0" smtClean="0"/>
+              <a:t>width, height</a:t>
+            </a:r>
+            <a:r>
+              <a:rPr lang="zh-CN" altLang="en-US" dirty="0" smtClean="0"/>
+              <a:t> 的优先级比 </a:t>
+            </a:r>
+            <a:r>
+              <a:rPr lang="en-US" altLang="zh-CN" dirty="0" smtClean="0"/>
+              <a:t>top, right, bottom, left </a:t>
+            </a:r>
+            <a:r>
+              <a:rPr lang="zh-CN" altLang="en-US" dirty="0" smtClean="0"/>
+              <a:t>高</a:t>
+            </a:r>
+          </a:p>
+          <a:p>
+            <a:r>
+              <a:rPr lang="en-US" altLang="zh-CN" dirty="0" smtClean="0"/>
+              <a:t>top, right, bottom, left </a:t>
+            </a:r>
+            <a:r>
+              <a:rPr lang="zh-CN" altLang="en-US" dirty="0" smtClean="0"/>
+              <a:t>除用于定位，还可能影响元素尺寸</a:t>
+            </a:r>
+            <a:endParaRPr lang="en-US" altLang="zh-CN" dirty="0" smtClean="0"/>
+          </a:p>
+          <a:p>
+            <a:r>
+              <a:rPr lang="zh-CN" altLang="en-US" dirty="0" smtClean="0"/>
+              <a:t>如该元素</a:t>
+            </a:r>
+            <a:r>
+              <a:rPr lang="en-US" altLang="zh-CN" dirty="0" smtClean="0"/>
+              <a:t>A</a:t>
+            </a:r>
+            <a:r>
+              <a:rPr lang="zh-CN" altLang="en-US" dirty="0" smtClean="0"/>
+              <a:t>的某上级元素</a:t>
+            </a:r>
+            <a:r>
+              <a:rPr lang="en-US" altLang="zh-CN" dirty="0" smtClean="0"/>
+              <a:t>B</a:t>
+            </a:r>
+            <a:r>
+              <a:rPr lang="zh-CN" altLang="en-US" dirty="0" smtClean="0"/>
+              <a:t>应用了</a:t>
+            </a:r>
+            <a:r>
+              <a:rPr lang="en-US" altLang="zh-CN" dirty="0" smtClean="0"/>
+              <a:t>position</a:t>
+            </a:r>
+            <a:r>
+              <a:rPr lang="zh-CN" altLang="en-US" dirty="0" smtClean="0"/>
+              <a:t>属性的</a:t>
+            </a:r>
+            <a:r>
+              <a:rPr lang="en-US" altLang="zh-CN" dirty="0" smtClean="0"/>
+              <a:t>relative, absolute, fixed</a:t>
+            </a:r>
+            <a:r>
+              <a:rPr lang="zh-CN" altLang="en-US" dirty="0" smtClean="0"/>
+              <a:t>值，则</a:t>
+            </a:r>
+            <a:r>
+              <a:rPr lang="en-US" altLang="zh-CN" dirty="0" smtClean="0"/>
+              <a:t>A</a:t>
+            </a:r>
+            <a:r>
+              <a:rPr lang="zh-CN" altLang="en-US" dirty="0" smtClean="0"/>
+              <a:t>的坐标原点位于</a:t>
+            </a:r>
+            <a:r>
+              <a:rPr lang="en-US" altLang="zh-CN" dirty="0" smtClean="0"/>
+              <a:t>B</a:t>
+            </a:r>
+            <a:r>
+              <a:rPr lang="zh-CN" altLang="en-US" dirty="0" smtClean="0"/>
+              <a:t>的左上角，否则</a:t>
+            </a:r>
+            <a:r>
+              <a:rPr lang="en-US" altLang="zh-CN" dirty="0" smtClean="0"/>
+              <a:t>A</a:t>
+            </a:r>
+            <a:r>
+              <a:rPr lang="zh-CN" altLang="en-US" dirty="0" smtClean="0"/>
+              <a:t>的坐标原点在页面的左上角</a:t>
+            </a:r>
+            <a:endParaRPr lang="en-US" altLang="zh-CN" dirty="0" smtClean="0"/>
+          </a:p>
+        </p:txBody>
+      </p:sp>
+      <p:sp>
+        <p:nvSpPr>
+          <p:cNvPr id="3" name="标题 2"/>
+          <p:cNvSpPr>
+            <a:spLocks noGrp="1"/>
+          </p:cNvSpPr>
+          <p:nvPr>
+            <p:ph type="title"/>
+          </p:nvPr>
+        </p:nvSpPr>
+        <p:spPr/>
+        <p:txBody>
+          <a:bodyPr/>
+          <a:lstStyle/>
+          <a:p>
+            <a:r>
+              <a:rPr lang="en-US" altLang="zh-CN" dirty="0" smtClean="0"/>
+              <a:t>position - absolute</a:t>
+            </a:r>
+            <a:endParaRPr lang="zh-CN" altLang="en-US" dirty="0"/>
+          </a:p>
+        </p:txBody>
+      </p:sp>
+    </p:spTree>
+    <p:extLst>
+      <p:ext uri="{BB962C8B-B14F-4D97-AF65-F5344CB8AC3E}">
+        <p14:creationId xmlns:p14="http://schemas.microsoft.com/office/powerpoint/2010/main" val="3653284108"/>
+      </p:ext>
+    </p:extLst>
+  </p:cSld>
+  <p:clrMapOvr>
+    <a:masterClrMapping/>
+  </p:clrMapOvr>
+</p:sld>
+</file>
+
+<file path=ppt/slides/slide16.xml><?xml version="1.0" encoding="utf-8"?>
+<p:sld xmlns:a="http://schemas.openxmlformats.org/drawingml/2006/main" xmlns:r="http://schemas.openxmlformats.org/officeDocument/2006/relationships" xmlns:p="http://schemas.openxmlformats.org/presentationml/2006/main">
+  <p:cSld>
+    <p:spTree>
+      <p:nvGrpSpPr>
+        <p:cNvPr id="1" name=""/>
+        <p:cNvGrpSpPr/>
+        <p:nvPr/>
+      </p:nvGrpSpPr>
+      <p:grpSpPr>
+        <a:xfrm>
+          <a:off x="0" y="0"/>
+          <a:ext cx="0" cy="0"/>
+          <a:chOff x="0" y="0"/>
+          <a:chExt cx="0" cy="0"/>
+        </a:xfrm>
+      </p:grpSpPr>
+      <p:sp>
+        <p:nvSpPr>
+          <p:cNvPr id="2" name="内容占位符 1"/>
+          <p:cNvSpPr>
+            <a:spLocks noGrp="1"/>
+          </p:cNvSpPr>
+          <p:nvPr>
+            <p:ph idx="1"/>
+          </p:nvPr>
+        </p:nvSpPr>
+        <p:spPr/>
+        <p:txBody>
+          <a:bodyPr/>
+          <a:lstStyle/>
+          <a:p>
+            <a:r>
+              <a:rPr lang="zh-CN" altLang="en-US" dirty="0"/>
+              <a:t>元素在布局流之外（不占位置）</a:t>
+            </a:r>
+            <a:endParaRPr lang="en-US" altLang="zh-CN" dirty="0"/>
+          </a:p>
+          <a:p>
+            <a:r>
+              <a:rPr lang="zh-CN" altLang="en-US" dirty="0"/>
+              <a:t>如未指定元素尺寸，元素尺寸将匹配其内容</a:t>
+            </a:r>
+            <a:endParaRPr lang="en-US" altLang="zh-CN" dirty="0"/>
+          </a:p>
+          <a:p>
+            <a:r>
+              <a:rPr lang="zh-CN" altLang="en-US" dirty="0"/>
+              <a:t>如未指定元素位置，元素将在其原位置</a:t>
+            </a:r>
+            <a:endParaRPr lang="en-US" altLang="zh-CN" dirty="0"/>
+          </a:p>
+          <a:p>
+            <a:r>
+              <a:rPr lang="en-US" altLang="zh-CN" dirty="0"/>
+              <a:t>width, height</a:t>
+            </a:r>
+            <a:r>
+              <a:rPr lang="zh-CN" altLang="en-US" dirty="0"/>
+              <a:t> 的优先级比 </a:t>
+            </a:r>
+            <a:r>
+              <a:rPr lang="en-US" altLang="zh-CN" dirty="0"/>
+              <a:t>top, right, bottom, left </a:t>
+            </a:r>
+            <a:r>
+              <a:rPr lang="zh-CN" altLang="en-US" dirty="0"/>
+              <a:t>高</a:t>
+            </a:r>
+          </a:p>
+          <a:p>
+            <a:r>
+              <a:rPr lang="en-US" altLang="zh-CN" dirty="0"/>
+              <a:t>top, right, bottom, left </a:t>
+            </a:r>
+            <a:r>
+              <a:rPr lang="zh-CN" altLang="en-US" dirty="0"/>
+              <a:t>除用于定位，还可能影响元素</a:t>
+            </a:r>
+            <a:r>
+              <a:rPr lang="zh-CN" altLang="en-US" dirty="0" smtClean="0"/>
+              <a:t>尺寸</a:t>
+            </a:r>
+            <a:endParaRPr lang="en-US" altLang="zh-CN" dirty="0" smtClean="0"/>
+          </a:p>
+          <a:p>
+            <a:r>
+              <a:rPr lang="zh-CN" altLang="en-US" dirty="0"/>
+              <a:t>该</a:t>
+            </a:r>
+            <a:r>
+              <a:rPr lang="zh-CN" altLang="en-US" dirty="0" smtClean="0"/>
+              <a:t>元素不随文档滚动</a:t>
+            </a:r>
+            <a:endParaRPr lang="en-US" altLang="zh-CN" dirty="0"/>
+          </a:p>
+        </p:txBody>
+      </p:sp>
+      <p:sp>
+        <p:nvSpPr>
+          <p:cNvPr id="3" name="标题 2"/>
+          <p:cNvSpPr>
+            <a:spLocks noGrp="1"/>
+          </p:cNvSpPr>
+          <p:nvPr>
+            <p:ph type="title"/>
+          </p:nvPr>
+        </p:nvSpPr>
+        <p:spPr/>
+        <p:txBody>
+          <a:bodyPr/>
+          <a:lstStyle/>
+          <a:p>
+            <a:r>
+              <a:rPr lang="en-US" altLang="zh-CN" dirty="0" smtClean="0"/>
+              <a:t>position - fixed</a:t>
+            </a:r>
+            <a:endParaRPr lang="zh-CN" altLang="en-US" dirty="0"/>
+          </a:p>
+        </p:txBody>
+      </p:sp>
+    </p:spTree>
+    <p:extLst>
+      <p:ext uri="{BB962C8B-B14F-4D97-AF65-F5344CB8AC3E}">
+        <p14:creationId xmlns:p14="http://schemas.microsoft.com/office/powerpoint/2010/main" val="1250796997"/>
+      </p:ext>
+    </p:extLst>
+  </p:cSld>
+  <p:clrMapOvr>
+    <a:masterClrMapping/>
+  </p:clrMapOvr>
+</p:sld>
+</file>
+
+<file path=ppt/slides/slide17.xml><?xml version="1.0" encoding="utf-8"?>
+<p:sld xmlns:a="http://schemas.openxmlformats.org/drawingml/2006/main" xmlns:r="http://schemas.openxmlformats.org/officeDocument/2006/relationships" xmlns:p="http://schemas.openxmlformats.org/presentationml/2006/main">
+  <p:cSld>
+    <p:spTree>
+      <p:nvGrpSpPr>
+        <p:cNvPr id="1" name=""/>
+        <p:cNvGrpSpPr/>
+        <p:nvPr/>
+      </p:nvGrpSpPr>
+      <p:grpSpPr>
+        <a:xfrm>
+          <a:off x="0" y="0"/>
+          <a:ext cx="0" cy="0"/>
+          <a:chOff x="0" y="0"/>
+          <a:chExt cx="0" cy="0"/>
+        </a:xfrm>
+      </p:grpSpPr>
+      <p:sp>
+        <p:nvSpPr>
+          <p:cNvPr id="2" name="内容占位符 1"/>
+          <p:cNvSpPr>
+            <a:spLocks noGrp="1"/>
+          </p:cNvSpPr>
+          <p:nvPr>
+            <p:ph idx="1"/>
+          </p:nvPr>
+        </p:nvSpPr>
+        <p:spPr/>
+        <p:txBody>
+          <a:bodyPr>
+            <a:normAutofit/>
+          </a:bodyPr>
+          <a:lstStyle/>
+          <a:p>
+            <a:r>
+              <a:rPr lang="zh-CN" altLang="en-US" dirty="0" smtClean="0"/>
+              <a:t>常用值表</a:t>
+            </a:r>
+            <a:endParaRPr lang="en-US" altLang="zh-CN" dirty="0" smtClean="0"/>
+          </a:p>
+          <a:p>
+            <a:pPr lvl="1"/>
+            <a:r>
+              <a:rPr lang="en-US" altLang="zh-CN" dirty="0" smtClean="0"/>
+              <a:t>inline </a:t>
+            </a:r>
+            <a:r>
+              <a:rPr lang="en-US" altLang="zh-CN" dirty="0"/>
+              <a:t>| block </a:t>
+            </a:r>
+            <a:r>
+              <a:rPr lang="en-US" altLang="zh-CN" dirty="0" smtClean="0"/>
+              <a:t>| </a:t>
+            </a:r>
+            <a:r>
+              <a:rPr lang="en-US" altLang="zh-CN" dirty="0"/>
+              <a:t>inline-block </a:t>
+            </a:r>
+            <a:r>
+              <a:rPr lang="en-US" altLang="zh-CN" dirty="0" smtClean="0"/>
+              <a:t>| none ……</a:t>
+            </a:r>
+          </a:p>
+          <a:p>
+            <a:r>
+              <a:rPr lang="zh-CN" altLang="en-US" dirty="0" smtClean="0"/>
+              <a:t>应用范围</a:t>
+            </a:r>
+            <a:endParaRPr lang="en-US" altLang="zh-CN" dirty="0" smtClean="0"/>
+          </a:p>
+          <a:p>
+            <a:pPr lvl="1"/>
+            <a:r>
+              <a:rPr lang="zh-CN" altLang="en-US" dirty="0" smtClean="0"/>
+              <a:t>所有元素</a:t>
+            </a:r>
+            <a:endParaRPr lang="en-US" altLang="zh-CN" dirty="0" smtClean="0"/>
+          </a:p>
+          <a:p>
+            <a:r>
+              <a:rPr lang="zh-CN" altLang="en-US" dirty="0" smtClean="0"/>
+              <a:t>值不向下传递</a:t>
+            </a:r>
+            <a:endParaRPr lang="zh-CN" altLang="en-US" dirty="0"/>
+          </a:p>
+        </p:txBody>
+      </p:sp>
+      <p:sp>
+        <p:nvSpPr>
+          <p:cNvPr id="3" name="标题 2"/>
+          <p:cNvSpPr>
+            <a:spLocks noGrp="1"/>
+          </p:cNvSpPr>
+          <p:nvPr>
+            <p:ph type="title"/>
+          </p:nvPr>
+        </p:nvSpPr>
+        <p:spPr/>
+        <p:txBody>
+          <a:bodyPr/>
+          <a:lstStyle/>
+          <a:p>
+            <a:r>
+              <a:rPr lang="en-US" altLang="zh-CN" dirty="0" smtClean="0"/>
+              <a:t>display</a:t>
+            </a:r>
+            <a:endParaRPr lang="zh-CN" altLang="en-US" dirty="0"/>
+          </a:p>
+        </p:txBody>
+      </p:sp>
+    </p:spTree>
+    <p:extLst>
+      <p:ext uri="{BB962C8B-B14F-4D97-AF65-F5344CB8AC3E}">
+        <p14:creationId xmlns:p14="http://schemas.microsoft.com/office/powerpoint/2010/main" val="3886135181"/>
+      </p:ext>
+    </p:extLst>
+  </p:cSld>
+  <p:clrMapOvr>
+    <a:masterClrMapping/>
+  </p:clrMapOvr>
+</p:sld>
+</file>
+
+<file path=ppt/slides/slide18.xml><?xml version="1.0" encoding="utf-8"?>
+<p:sld xmlns:a="http://schemas.openxmlformats.org/drawingml/2006/main" xmlns:r="http://schemas.openxmlformats.org/officeDocument/2006/relationships" xmlns:p="http://schemas.openxmlformats.org/presentationml/2006/main">
+  <p:cSld>
+    <p:spTree>
+      <p:nvGrpSpPr>
+        <p:cNvPr id="1" name=""/>
+        <p:cNvGrpSpPr/>
+        <p:nvPr/>
+      </p:nvGrpSpPr>
+      <p:grpSpPr>
+        <a:xfrm>
+          <a:off x="0" y="0"/>
+          <a:ext cx="0" cy="0"/>
+          <a:chOff x="0" y="0"/>
+          <a:chExt cx="0" cy="0"/>
+        </a:xfrm>
+      </p:grpSpPr>
+      <p:sp>
+        <p:nvSpPr>
+          <p:cNvPr id="2" name="内容占位符 1"/>
+          <p:cNvSpPr>
+            <a:spLocks noGrp="1"/>
+          </p:cNvSpPr>
+          <p:nvPr>
+            <p:ph idx="1"/>
+          </p:nvPr>
+        </p:nvSpPr>
+        <p:spPr/>
+        <p:txBody>
+          <a:bodyPr>
+            <a:normAutofit fontScale="92500"/>
+          </a:bodyPr>
+          <a:lstStyle/>
+          <a:p>
+            <a:r>
+              <a:rPr lang="en-US" altLang="zh-CN" dirty="0" smtClean="0"/>
+              <a:t>inline</a:t>
+            </a:r>
+          </a:p>
+          <a:p>
+            <a:pPr lvl="1"/>
+            <a:r>
+              <a:rPr lang="zh-CN" altLang="en-US" dirty="0" smtClean="0"/>
+              <a:t>让一个元素以行级元素方式显示，不会应用盒模型相关属性</a:t>
+            </a:r>
+            <a:endParaRPr lang="en-US" altLang="zh-CN" dirty="0" smtClean="0"/>
+          </a:p>
+          <a:p>
+            <a:r>
+              <a:rPr lang="en-US" altLang="zh-CN" dirty="0" smtClean="0"/>
+              <a:t>block</a:t>
+            </a:r>
+          </a:p>
+          <a:p>
+            <a:pPr lvl="1"/>
+            <a:r>
+              <a:rPr lang="zh-CN" altLang="en-US" dirty="0"/>
+              <a:t>让一</a:t>
+            </a:r>
+            <a:r>
+              <a:rPr lang="zh-CN" altLang="en-US" dirty="0" smtClean="0"/>
+              <a:t>个元素以块级元素方式显示，独占一行</a:t>
+            </a:r>
+            <a:endParaRPr lang="en-US" altLang="zh-CN" dirty="0" smtClean="0"/>
+          </a:p>
+          <a:p>
+            <a:r>
+              <a:rPr lang="en-US" altLang="zh-CN" dirty="0" smtClean="0"/>
+              <a:t>inline-block</a:t>
+            </a:r>
+          </a:p>
+          <a:p>
+            <a:pPr lvl="1"/>
+            <a:r>
+              <a:rPr lang="zh-CN" altLang="en-US" dirty="0" smtClean="0"/>
+              <a:t>让一个元素以行级元素方式显示，并应用盒模型相关属性</a:t>
+            </a:r>
+            <a:endParaRPr lang="en-US" altLang="zh-CN" dirty="0" smtClean="0"/>
+          </a:p>
+          <a:p>
+            <a:r>
+              <a:rPr lang="en-US" altLang="zh-CN" dirty="0" smtClean="0"/>
+              <a:t>none</a:t>
+            </a:r>
+          </a:p>
+          <a:p>
+            <a:pPr lvl="1"/>
+            <a:r>
+              <a:rPr lang="zh-CN" altLang="en-US" dirty="0" smtClean="0"/>
+              <a:t>让一个元素不出现在布局流中</a:t>
+            </a:r>
+            <a:endParaRPr lang="zh-CN" altLang="en-US" dirty="0"/>
+          </a:p>
+        </p:txBody>
+      </p:sp>
+      <p:sp>
+        <p:nvSpPr>
+          <p:cNvPr id="3" name="标题 2"/>
+          <p:cNvSpPr>
+            <a:spLocks noGrp="1"/>
+          </p:cNvSpPr>
+          <p:nvPr>
+            <p:ph type="title"/>
+          </p:nvPr>
+        </p:nvSpPr>
+        <p:spPr/>
+        <p:txBody>
+          <a:bodyPr/>
+          <a:lstStyle/>
+          <a:p>
+            <a:r>
+              <a:rPr lang="en-US" altLang="zh-CN" dirty="0" smtClean="0"/>
+              <a:t>display - values</a:t>
+            </a:r>
+            <a:endParaRPr lang="zh-CN" altLang="en-US" dirty="0"/>
+          </a:p>
+        </p:txBody>
+      </p:sp>
+    </p:spTree>
+    <p:extLst>
+      <p:ext uri="{BB962C8B-B14F-4D97-AF65-F5344CB8AC3E}">
+        <p14:creationId xmlns:p14="http://schemas.microsoft.com/office/powerpoint/2010/main" val="3633950465"/>
+      </p:ext>
+    </p:extLst>
+  </p:cSld>
+  <p:clrMapOvr>
+    <a:masterClrMapping/>
+  </p:clrMapOvr>
+</p:sld>
+</file>
+
+<file path=ppt/slides/slide19.xml><?xml version="1.0" encoding="utf-8"?>
+<p:sld xmlns:a="http://schemas.openxmlformats.org/drawingml/2006/main" xmlns:r="http://schemas.openxmlformats.org/officeDocument/2006/relationships" xmlns:p="http://schemas.openxmlformats.org/presentationml/2006/main">
+  <p:cSld>
+    <p:spTree>
+      <p:nvGrpSpPr>
+        <p:cNvPr id="1" name=""/>
+        <p:cNvGrpSpPr/>
+        <p:nvPr/>
+      </p:nvGrpSpPr>
+      <p:grpSpPr>
+        <a:xfrm>
+          <a:off x="0" y="0"/>
+          <a:ext cx="0" cy="0"/>
+          <a:chOff x="0" y="0"/>
+          <a:chExt cx="0" cy="0"/>
+        </a:xfrm>
+      </p:grpSpPr>
+      <p:sp>
+        <p:nvSpPr>
+          <p:cNvPr id="2" name="内容占位符 1"/>
+          <p:cNvSpPr>
+            <a:spLocks noGrp="1"/>
+          </p:cNvSpPr>
+          <p:nvPr>
+            <p:ph idx="1"/>
+          </p:nvPr>
+        </p:nvSpPr>
+        <p:spPr/>
+        <p:txBody>
+          <a:bodyPr>
+            <a:normAutofit/>
+          </a:bodyPr>
+          <a:lstStyle/>
+          <a:p>
+            <a:r>
+              <a:rPr lang="zh-CN" altLang="en-US" dirty="0" smtClean="0"/>
+              <a:t>值表</a:t>
+            </a:r>
+            <a:endParaRPr lang="en-US" altLang="zh-CN" dirty="0" smtClean="0"/>
+          </a:p>
+          <a:p>
+            <a:pPr lvl="1"/>
+            <a:r>
+              <a:rPr lang="en-US" altLang="zh-CN" dirty="0"/>
+              <a:t>left | right | none | </a:t>
+            </a:r>
+            <a:r>
+              <a:rPr lang="en-US" altLang="zh-CN" dirty="0" smtClean="0"/>
+              <a:t>inherit</a:t>
+            </a:r>
+          </a:p>
+          <a:p>
+            <a:r>
+              <a:rPr lang="zh-CN" altLang="en-US" dirty="0" smtClean="0"/>
+              <a:t>默认值</a:t>
+            </a:r>
+            <a:endParaRPr lang="en-US" altLang="zh-CN" dirty="0" smtClean="0"/>
+          </a:p>
+          <a:p>
+            <a:pPr lvl="1"/>
+            <a:r>
+              <a:rPr lang="en-US" altLang="zh-CN" dirty="0"/>
+              <a:t>none</a:t>
+            </a:r>
+            <a:endParaRPr lang="en-US" altLang="zh-CN" dirty="0" smtClean="0"/>
+          </a:p>
+          <a:p>
+            <a:r>
+              <a:rPr lang="zh-CN" altLang="en-US" dirty="0" smtClean="0"/>
+              <a:t>应用范围</a:t>
+            </a:r>
+            <a:endParaRPr lang="en-US" altLang="zh-CN" dirty="0" smtClean="0"/>
+          </a:p>
+          <a:p>
+            <a:pPr lvl="1"/>
+            <a:r>
+              <a:rPr lang="zh-CN" altLang="en-US" dirty="0" smtClean="0"/>
+              <a:t>所有元素</a:t>
+            </a:r>
+            <a:endParaRPr lang="en-US" altLang="zh-CN" dirty="0" smtClean="0"/>
+          </a:p>
+          <a:p>
+            <a:r>
+              <a:rPr lang="zh-CN" altLang="en-US" dirty="0" smtClean="0"/>
+              <a:t>值不向下传递</a:t>
+            </a:r>
+            <a:endParaRPr lang="zh-CN" altLang="en-US" dirty="0"/>
+          </a:p>
+        </p:txBody>
+      </p:sp>
+      <p:sp>
+        <p:nvSpPr>
+          <p:cNvPr id="3" name="标题 2"/>
+          <p:cNvSpPr>
+            <a:spLocks noGrp="1"/>
+          </p:cNvSpPr>
+          <p:nvPr>
+            <p:ph type="title"/>
+          </p:nvPr>
+        </p:nvSpPr>
+        <p:spPr/>
+        <p:txBody>
+          <a:bodyPr/>
+          <a:lstStyle/>
+          <a:p>
+            <a:r>
+              <a:rPr lang="en-US" altLang="zh-CN" dirty="0" smtClean="0"/>
+              <a:t>float</a:t>
+            </a:r>
+            <a:endParaRPr lang="zh-CN" altLang="en-US" dirty="0"/>
+          </a:p>
+        </p:txBody>
+      </p:sp>
+    </p:spTree>
+    <p:extLst>
+      <p:ext uri="{BB962C8B-B14F-4D97-AF65-F5344CB8AC3E}">
+        <p14:creationId xmlns:p14="http://schemas.microsoft.com/office/powerpoint/2010/main" val="1142415227"/>
+      </p:ext>
+    </p:extLst>
+  </p:cSld>
+  <p:clrMapOvr>
+    <a:masterClrMapping/>
+  </p:clrMapOvr>
+</p:sld>
+</file>
+
 <file path=ppt/slides/slide2.xml><?xml version="1.0" encoding="utf-8"?>
 <p:sld xmlns:a="http://schemas.openxmlformats.org/drawingml/2006/main" xmlns:r="http://schemas.openxmlformats.org/officeDocument/2006/relationships" xmlns:p="http://schemas.openxmlformats.org/presentationml/2006/main">
   <p:cSld>
@@ -14691,7 +16155,7 @@
           <a:p>
             <a:r>
               <a:rPr lang="zh-CN" altLang="en-US" dirty="0" smtClean="0"/>
-              <a:t>非正规名称</a:t>
+              <a:t>俗称</a:t>
             </a:r>
             <a:endParaRPr lang="zh-CN" altLang="en-US" dirty="0"/>
           </a:p>
@@ -14752,7 +16216,7 @@
           <a:p>
             <a:r>
               <a:rPr lang="zh-CN" altLang="en-US" dirty="0" smtClean="0"/>
-              <a:t>正规名称</a:t>
+              <a:t>学名</a:t>
             </a:r>
             <a:endParaRPr lang="zh-CN" altLang="en-US" dirty="0"/>
           </a:p>
@@ -14782,13 +16246,16 @@
           <a:p>
             <a:r>
               <a:rPr lang="zh-CN" altLang="en-US" dirty="0" smtClean="0"/>
-              <a:t>样式表布局</a:t>
-            </a:r>
-            <a:endParaRPr lang="en-US" altLang="zh-CN" dirty="0" smtClean="0"/>
-          </a:p>
-          <a:p>
+              <a:t>样式表</a:t>
+            </a:r>
             <a:r>
               <a:rPr lang="zh-CN" altLang="en-US" dirty="0" smtClean="0"/>
+              <a:t>布局</a:t>
+            </a:r>
+          </a:p>
+          <a:p>
+            <a:r>
+              <a:rPr lang="zh-CN" altLang="en-US" smtClean="0"/>
               <a:t>混合布局</a:t>
             </a:r>
             <a:endParaRPr lang="zh-CN" altLang="en-US" dirty="0"/>
@@ -14799,6 +16266,780 @@
     <p:extLst>
       <p:ext uri="{BB962C8B-B14F-4D97-AF65-F5344CB8AC3E}">
         <p14:creationId xmlns:p14="http://schemas.microsoft.com/office/powerpoint/2010/main" val="48691934"/>
+      </p:ext>
+    </p:extLst>
+  </p:cSld>
+  <p:clrMapOvr>
+    <a:masterClrMapping/>
+  </p:clrMapOvr>
+</p:sld>
+</file>
+
+<file path=ppt/slides/slide20.xml><?xml version="1.0" encoding="utf-8"?>
+<p:sld xmlns:a="http://schemas.openxmlformats.org/drawingml/2006/main" xmlns:r="http://schemas.openxmlformats.org/officeDocument/2006/relationships" xmlns:p="http://schemas.openxmlformats.org/presentationml/2006/main">
+  <p:cSld>
+    <p:spTree>
+      <p:nvGrpSpPr>
+        <p:cNvPr id="1" name=""/>
+        <p:cNvGrpSpPr/>
+        <p:nvPr/>
+      </p:nvGrpSpPr>
+      <p:grpSpPr>
+        <a:xfrm>
+          <a:off x="0" y="0"/>
+          <a:ext cx="0" cy="0"/>
+          <a:chOff x="0" y="0"/>
+          <a:chExt cx="0" cy="0"/>
+        </a:xfrm>
+      </p:grpSpPr>
+      <p:sp>
+        <p:nvSpPr>
+          <p:cNvPr id="2" name="内容占位符 1"/>
+          <p:cNvSpPr>
+            <a:spLocks noGrp="1"/>
+          </p:cNvSpPr>
+          <p:nvPr>
+            <p:ph idx="1"/>
+          </p:nvPr>
+        </p:nvSpPr>
+        <p:spPr/>
+        <p:txBody>
+          <a:bodyPr/>
+          <a:lstStyle/>
+          <a:p>
+            <a:r>
+              <a:rPr lang="en-US" altLang="zh-CN" dirty="0" smtClean="0"/>
+              <a:t>left, right</a:t>
+            </a:r>
+          </a:p>
+          <a:p>
+            <a:pPr lvl="1"/>
+            <a:r>
+              <a:rPr lang="zh-CN" altLang="en-US" dirty="0" smtClean="0"/>
+              <a:t>使元素以块级元素的方式浮动到父元素内的左侧（右侧），并使父元素的内容围绕在元素的右侧（左侧）</a:t>
+            </a:r>
+            <a:endParaRPr lang="en-US" altLang="zh-CN" dirty="0" smtClean="0"/>
+          </a:p>
+          <a:p>
+            <a:pPr lvl="1"/>
+            <a:r>
+              <a:rPr lang="zh-CN" altLang="en-US" dirty="0" smtClean="0"/>
+              <a:t>浮动元素与内容在同一行</a:t>
+            </a:r>
+            <a:endParaRPr lang="en-US" altLang="zh-CN" dirty="0" smtClean="0"/>
+          </a:p>
+          <a:p>
+            <a:r>
+              <a:rPr lang="en-US" altLang="zh-CN" dirty="0" smtClean="0"/>
+              <a:t>none</a:t>
+            </a:r>
+          </a:p>
+          <a:p>
+            <a:pPr lvl="1"/>
+            <a:r>
+              <a:rPr lang="zh-CN" altLang="en-US" dirty="0"/>
+              <a:t>该</a:t>
+            </a:r>
+            <a:r>
+              <a:rPr lang="zh-CN" altLang="en-US" dirty="0" smtClean="0"/>
+              <a:t>元素不浮动</a:t>
+            </a:r>
+            <a:endParaRPr lang="en-US" altLang="zh-CN" dirty="0" smtClean="0"/>
+          </a:p>
+          <a:p>
+            <a:r>
+              <a:rPr lang="en-US" altLang="zh-CN" dirty="0" smtClean="0"/>
+              <a:t>inherit</a:t>
+            </a:r>
+          </a:p>
+          <a:p>
+            <a:pPr lvl="1"/>
+            <a:r>
+              <a:rPr lang="zh-CN" altLang="en-US" dirty="0" smtClean="0"/>
+              <a:t>从父元素继承该属性的值</a:t>
+            </a:r>
+            <a:endParaRPr lang="zh-CN" altLang="en-US" dirty="0"/>
+          </a:p>
+        </p:txBody>
+      </p:sp>
+      <p:sp>
+        <p:nvSpPr>
+          <p:cNvPr id="3" name="标题 2"/>
+          <p:cNvSpPr>
+            <a:spLocks noGrp="1"/>
+          </p:cNvSpPr>
+          <p:nvPr>
+            <p:ph type="title"/>
+          </p:nvPr>
+        </p:nvSpPr>
+        <p:spPr/>
+        <p:txBody>
+          <a:bodyPr/>
+          <a:lstStyle/>
+          <a:p>
+            <a:r>
+              <a:rPr lang="en-US" altLang="zh-CN" dirty="0" smtClean="0"/>
+              <a:t>float - values</a:t>
+            </a:r>
+            <a:endParaRPr lang="zh-CN" altLang="en-US" dirty="0"/>
+          </a:p>
+        </p:txBody>
+      </p:sp>
+    </p:spTree>
+    <p:extLst>
+      <p:ext uri="{BB962C8B-B14F-4D97-AF65-F5344CB8AC3E}">
+        <p14:creationId xmlns:p14="http://schemas.microsoft.com/office/powerpoint/2010/main" val="1230687175"/>
+      </p:ext>
+    </p:extLst>
+  </p:cSld>
+  <p:clrMapOvr>
+    <a:masterClrMapping/>
+  </p:clrMapOvr>
+</p:sld>
+</file>
+
+<file path=ppt/slides/slide21.xml><?xml version="1.0" encoding="utf-8"?>
+<p:sld xmlns:a="http://schemas.openxmlformats.org/drawingml/2006/main" xmlns:r="http://schemas.openxmlformats.org/officeDocument/2006/relationships" xmlns:p="http://schemas.openxmlformats.org/presentationml/2006/main">
+  <p:cSld>
+    <p:spTree>
+      <p:nvGrpSpPr>
+        <p:cNvPr id="1" name=""/>
+        <p:cNvGrpSpPr/>
+        <p:nvPr/>
+      </p:nvGrpSpPr>
+      <p:grpSpPr>
+        <a:xfrm>
+          <a:off x="0" y="0"/>
+          <a:ext cx="0" cy="0"/>
+          <a:chOff x="0" y="0"/>
+          <a:chExt cx="0" cy="0"/>
+        </a:xfrm>
+      </p:grpSpPr>
+      <p:sp>
+        <p:nvSpPr>
+          <p:cNvPr id="2" name="内容占位符 1"/>
+          <p:cNvSpPr>
+            <a:spLocks noGrp="1"/>
+          </p:cNvSpPr>
+          <p:nvPr>
+            <p:ph idx="1"/>
+          </p:nvPr>
+        </p:nvSpPr>
+        <p:spPr/>
+        <p:txBody>
+          <a:bodyPr>
+            <a:normAutofit/>
+          </a:bodyPr>
+          <a:lstStyle/>
+          <a:p>
+            <a:r>
+              <a:rPr lang="zh-CN" altLang="en-US" dirty="0" smtClean="0"/>
+              <a:t>值表</a:t>
+            </a:r>
+            <a:endParaRPr lang="en-US" altLang="zh-CN" dirty="0" smtClean="0"/>
+          </a:p>
+          <a:p>
+            <a:pPr lvl="1"/>
+            <a:r>
+              <a:rPr lang="en-US" altLang="zh-CN" dirty="0"/>
+              <a:t>none | left | right | both | inherit</a:t>
+            </a:r>
+            <a:endParaRPr lang="en-US" altLang="zh-CN" dirty="0" smtClean="0"/>
+          </a:p>
+          <a:p>
+            <a:r>
+              <a:rPr lang="zh-CN" altLang="en-US" dirty="0" smtClean="0"/>
+              <a:t>默认值</a:t>
+            </a:r>
+            <a:endParaRPr lang="en-US" altLang="zh-CN" dirty="0" smtClean="0"/>
+          </a:p>
+          <a:p>
+            <a:pPr lvl="1"/>
+            <a:r>
+              <a:rPr lang="en-US" altLang="zh-CN" dirty="0"/>
+              <a:t>none</a:t>
+            </a:r>
+            <a:endParaRPr lang="en-US" altLang="zh-CN" dirty="0" smtClean="0"/>
+          </a:p>
+          <a:p>
+            <a:r>
+              <a:rPr lang="zh-CN" altLang="en-US" dirty="0" smtClean="0"/>
+              <a:t>应用范围</a:t>
+            </a:r>
+            <a:endParaRPr lang="en-US" altLang="zh-CN" dirty="0" smtClean="0"/>
+          </a:p>
+          <a:p>
+            <a:pPr lvl="1"/>
+            <a:r>
+              <a:rPr lang="zh-CN" altLang="en-US" dirty="0" smtClean="0"/>
+              <a:t>所有元素</a:t>
+            </a:r>
+            <a:endParaRPr lang="en-US" altLang="zh-CN" dirty="0" smtClean="0"/>
+          </a:p>
+          <a:p>
+            <a:r>
+              <a:rPr lang="zh-CN" altLang="en-US" dirty="0" smtClean="0"/>
+              <a:t>值不向下传递</a:t>
+            </a:r>
+            <a:endParaRPr lang="zh-CN" altLang="en-US" dirty="0"/>
+          </a:p>
+        </p:txBody>
+      </p:sp>
+      <p:sp>
+        <p:nvSpPr>
+          <p:cNvPr id="3" name="标题 2"/>
+          <p:cNvSpPr>
+            <a:spLocks noGrp="1"/>
+          </p:cNvSpPr>
+          <p:nvPr>
+            <p:ph type="title"/>
+          </p:nvPr>
+        </p:nvSpPr>
+        <p:spPr/>
+        <p:txBody>
+          <a:bodyPr/>
+          <a:lstStyle/>
+          <a:p>
+            <a:r>
+              <a:rPr lang="en-US" altLang="zh-CN" dirty="0" smtClean="0"/>
+              <a:t>clear</a:t>
+            </a:r>
+            <a:endParaRPr lang="zh-CN" altLang="en-US" dirty="0"/>
+          </a:p>
+        </p:txBody>
+      </p:sp>
+    </p:spTree>
+    <p:extLst>
+      <p:ext uri="{BB962C8B-B14F-4D97-AF65-F5344CB8AC3E}">
+        <p14:creationId xmlns:p14="http://schemas.microsoft.com/office/powerpoint/2010/main" val="3442042596"/>
+      </p:ext>
+    </p:extLst>
+  </p:cSld>
+  <p:clrMapOvr>
+    <a:masterClrMapping/>
+  </p:clrMapOvr>
+</p:sld>
+</file>
+
+<file path=ppt/slides/slide22.xml><?xml version="1.0" encoding="utf-8"?>
+<p:sld xmlns:a="http://schemas.openxmlformats.org/drawingml/2006/main" xmlns:r="http://schemas.openxmlformats.org/officeDocument/2006/relationships" xmlns:p="http://schemas.openxmlformats.org/presentationml/2006/main">
+  <p:cSld>
+    <p:spTree>
+      <p:nvGrpSpPr>
+        <p:cNvPr id="1" name=""/>
+        <p:cNvGrpSpPr/>
+        <p:nvPr/>
+      </p:nvGrpSpPr>
+      <p:grpSpPr>
+        <a:xfrm>
+          <a:off x="0" y="0"/>
+          <a:ext cx="0" cy="0"/>
+          <a:chOff x="0" y="0"/>
+          <a:chExt cx="0" cy="0"/>
+        </a:xfrm>
+      </p:grpSpPr>
+      <p:sp>
+        <p:nvSpPr>
+          <p:cNvPr id="2" name="内容占位符 1"/>
+          <p:cNvSpPr>
+            <a:spLocks noGrp="1"/>
+          </p:cNvSpPr>
+          <p:nvPr>
+            <p:ph idx="1"/>
+          </p:nvPr>
+        </p:nvSpPr>
+        <p:spPr/>
+        <p:txBody>
+          <a:bodyPr/>
+          <a:lstStyle/>
+          <a:p>
+            <a:r>
+              <a:rPr lang="en-US" altLang="zh-CN" dirty="0" smtClean="0"/>
+              <a:t>left, right, both</a:t>
+            </a:r>
+          </a:p>
+          <a:p>
+            <a:pPr lvl="1"/>
+            <a:r>
+              <a:rPr lang="zh-CN" altLang="en-US" dirty="0" smtClean="0"/>
+              <a:t>禁止在该元素的指定方向出现浮动元素，如果出现浮动元素，则浮动元素将被强制换行</a:t>
+            </a:r>
+            <a:endParaRPr lang="en-US" altLang="zh-CN" dirty="0" smtClean="0"/>
+          </a:p>
+          <a:p>
+            <a:r>
+              <a:rPr lang="en-US" altLang="zh-CN" dirty="0" smtClean="0"/>
+              <a:t>none</a:t>
+            </a:r>
+          </a:p>
+          <a:p>
+            <a:pPr lvl="1"/>
+            <a:r>
+              <a:rPr lang="zh-CN" altLang="en-US" dirty="0" smtClean="0"/>
+              <a:t>不影响元素浮动</a:t>
+            </a:r>
+            <a:endParaRPr lang="en-US" altLang="zh-CN" dirty="0" smtClean="0"/>
+          </a:p>
+          <a:p>
+            <a:r>
+              <a:rPr lang="en-US" altLang="zh-CN" dirty="0" smtClean="0"/>
+              <a:t>inherit</a:t>
+            </a:r>
+          </a:p>
+          <a:p>
+            <a:pPr lvl="1"/>
+            <a:r>
+              <a:rPr lang="zh-CN" altLang="en-US" dirty="0" smtClean="0"/>
+              <a:t>从父元素继承该属性的值</a:t>
+            </a:r>
+            <a:endParaRPr lang="zh-CN" altLang="en-US" dirty="0"/>
+          </a:p>
+        </p:txBody>
+      </p:sp>
+      <p:sp>
+        <p:nvSpPr>
+          <p:cNvPr id="3" name="标题 2"/>
+          <p:cNvSpPr>
+            <a:spLocks noGrp="1"/>
+          </p:cNvSpPr>
+          <p:nvPr>
+            <p:ph type="title"/>
+          </p:nvPr>
+        </p:nvSpPr>
+        <p:spPr/>
+        <p:txBody>
+          <a:bodyPr/>
+          <a:lstStyle/>
+          <a:p>
+            <a:r>
+              <a:rPr lang="en-US" altLang="zh-CN" dirty="0" smtClean="0"/>
+              <a:t>clear - values</a:t>
+            </a:r>
+            <a:endParaRPr lang="zh-CN" altLang="en-US" dirty="0"/>
+          </a:p>
+        </p:txBody>
+      </p:sp>
+    </p:spTree>
+    <p:extLst>
+      <p:ext uri="{BB962C8B-B14F-4D97-AF65-F5344CB8AC3E}">
+        <p14:creationId xmlns:p14="http://schemas.microsoft.com/office/powerpoint/2010/main" val="4117787087"/>
+      </p:ext>
+    </p:extLst>
+  </p:cSld>
+  <p:clrMapOvr>
+    <a:masterClrMapping/>
+  </p:clrMapOvr>
+</p:sld>
+</file>
+
+<file path=ppt/slides/slide23.xml><?xml version="1.0" encoding="utf-8"?>
+<p:sld xmlns:a="http://schemas.openxmlformats.org/drawingml/2006/main" xmlns:r="http://schemas.openxmlformats.org/officeDocument/2006/relationships" xmlns:p="http://schemas.openxmlformats.org/presentationml/2006/main">
+  <p:cSld>
+    <p:spTree>
+      <p:nvGrpSpPr>
+        <p:cNvPr id="1" name=""/>
+        <p:cNvGrpSpPr/>
+        <p:nvPr/>
+      </p:nvGrpSpPr>
+      <p:grpSpPr>
+        <a:xfrm>
+          <a:off x="0" y="0"/>
+          <a:ext cx="0" cy="0"/>
+          <a:chOff x="0" y="0"/>
+          <a:chExt cx="0" cy="0"/>
+        </a:xfrm>
+      </p:grpSpPr>
+      <p:sp>
+        <p:nvSpPr>
+          <p:cNvPr id="2" name="内容占位符 1"/>
+          <p:cNvSpPr>
+            <a:spLocks noGrp="1"/>
+          </p:cNvSpPr>
+          <p:nvPr>
+            <p:ph idx="1"/>
+          </p:nvPr>
+        </p:nvSpPr>
+        <p:spPr/>
+        <p:txBody>
+          <a:bodyPr>
+            <a:normAutofit/>
+          </a:bodyPr>
+          <a:lstStyle/>
+          <a:p>
+            <a:r>
+              <a:rPr lang="zh-CN" altLang="en-US" dirty="0" smtClean="0"/>
+              <a:t>值表</a:t>
+            </a:r>
+            <a:endParaRPr lang="en-US" altLang="zh-CN" dirty="0" smtClean="0"/>
+          </a:p>
+          <a:p>
+            <a:pPr lvl="1"/>
+            <a:r>
+              <a:rPr lang="en-US" altLang="zh-CN" dirty="0"/>
+              <a:t>none | </a:t>
+            </a:r>
+            <a:r>
+              <a:rPr lang="en-US" altLang="zh-CN" dirty="0" smtClean="0"/>
+              <a:t>&lt;integer&gt; </a:t>
+            </a:r>
+            <a:r>
+              <a:rPr lang="en-US" altLang="zh-CN" dirty="0"/>
+              <a:t>| inherit</a:t>
+            </a:r>
+            <a:endParaRPr lang="en-US" altLang="zh-CN" dirty="0" smtClean="0"/>
+          </a:p>
+          <a:p>
+            <a:r>
+              <a:rPr lang="zh-CN" altLang="en-US" dirty="0" smtClean="0"/>
+              <a:t>默认值</a:t>
+            </a:r>
+            <a:endParaRPr lang="en-US" altLang="zh-CN" dirty="0" smtClean="0"/>
+          </a:p>
+          <a:p>
+            <a:pPr lvl="1"/>
+            <a:r>
+              <a:rPr lang="en-US" altLang="zh-CN" dirty="0" smtClean="0"/>
+              <a:t>auto</a:t>
+            </a:r>
+          </a:p>
+          <a:p>
+            <a:r>
+              <a:rPr lang="zh-CN" altLang="en-US" dirty="0" smtClean="0"/>
+              <a:t>应用范围</a:t>
+            </a:r>
+            <a:endParaRPr lang="en-US" altLang="zh-CN" dirty="0" smtClean="0"/>
+          </a:p>
+          <a:p>
+            <a:pPr lvl="1"/>
+            <a:r>
+              <a:rPr lang="zh-CN" altLang="en-US" dirty="0" smtClean="0"/>
+              <a:t>被定位的元素（</a:t>
+            </a:r>
+            <a:r>
+              <a:rPr lang="en-US" altLang="zh-CN" dirty="0" smtClean="0"/>
+              <a:t>position: absolute, relative or fixed</a:t>
+            </a:r>
+            <a:r>
+              <a:rPr lang="zh-CN" altLang="en-US" dirty="0" smtClean="0"/>
+              <a:t>）</a:t>
+            </a:r>
+            <a:endParaRPr lang="en-US" altLang="zh-CN" dirty="0" smtClean="0"/>
+          </a:p>
+          <a:p>
+            <a:r>
+              <a:rPr lang="zh-CN" altLang="en-US" dirty="0" smtClean="0"/>
+              <a:t>值不向下传递</a:t>
+            </a:r>
+            <a:endParaRPr lang="zh-CN" altLang="en-US" dirty="0"/>
+          </a:p>
+        </p:txBody>
+      </p:sp>
+      <p:sp>
+        <p:nvSpPr>
+          <p:cNvPr id="3" name="标题 2"/>
+          <p:cNvSpPr>
+            <a:spLocks noGrp="1"/>
+          </p:cNvSpPr>
+          <p:nvPr>
+            <p:ph type="title"/>
+          </p:nvPr>
+        </p:nvSpPr>
+        <p:spPr/>
+        <p:txBody>
+          <a:bodyPr/>
+          <a:lstStyle/>
+          <a:p>
+            <a:r>
+              <a:rPr lang="en-US" altLang="zh-CN" dirty="0" smtClean="0"/>
+              <a:t>z-index</a:t>
+            </a:r>
+            <a:endParaRPr lang="zh-CN" altLang="en-US" dirty="0"/>
+          </a:p>
+        </p:txBody>
+      </p:sp>
+    </p:spTree>
+    <p:extLst>
+      <p:ext uri="{BB962C8B-B14F-4D97-AF65-F5344CB8AC3E}">
+        <p14:creationId xmlns:p14="http://schemas.microsoft.com/office/powerpoint/2010/main" val="1205547328"/>
+      </p:ext>
+    </p:extLst>
+  </p:cSld>
+  <p:clrMapOvr>
+    <a:masterClrMapping/>
+  </p:clrMapOvr>
+</p:sld>
+</file>
+
+<file path=ppt/slides/slide24.xml><?xml version="1.0" encoding="utf-8"?>
+<p:sld xmlns:a="http://schemas.openxmlformats.org/drawingml/2006/main" xmlns:r="http://schemas.openxmlformats.org/officeDocument/2006/relationships" xmlns:p="http://schemas.openxmlformats.org/presentationml/2006/main">
+  <p:cSld>
+    <p:spTree>
+      <p:nvGrpSpPr>
+        <p:cNvPr id="1" name=""/>
+        <p:cNvGrpSpPr/>
+        <p:nvPr/>
+      </p:nvGrpSpPr>
+      <p:grpSpPr>
+        <a:xfrm>
+          <a:off x="0" y="0"/>
+          <a:ext cx="0" cy="0"/>
+          <a:chOff x="0" y="0"/>
+          <a:chExt cx="0" cy="0"/>
+        </a:xfrm>
+      </p:grpSpPr>
+      <p:sp>
+        <p:nvSpPr>
+          <p:cNvPr id="2" name="内容占位符 1"/>
+          <p:cNvSpPr>
+            <a:spLocks noGrp="1"/>
+          </p:cNvSpPr>
+          <p:nvPr>
+            <p:ph idx="1"/>
+          </p:nvPr>
+        </p:nvSpPr>
+        <p:spPr/>
+        <p:txBody>
+          <a:bodyPr>
+            <a:normAutofit/>
+          </a:bodyPr>
+          <a:lstStyle/>
+          <a:p>
+            <a:r>
+              <a:rPr lang="zh-CN" altLang="en-US" dirty="0" smtClean="0"/>
+              <a:t>值表</a:t>
+            </a:r>
+            <a:endParaRPr lang="en-US" altLang="zh-CN" dirty="0" smtClean="0"/>
+          </a:p>
+          <a:p>
+            <a:pPr lvl="1"/>
+            <a:r>
+              <a:rPr lang="en-US" altLang="zh-CN" dirty="0"/>
+              <a:t>visible | hidden | scroll | auto | inherit</a:t>
+            </a:r>
+            <a:endParaRPr lang="en-US" altLang="zh-CN" dirty="0" smtClean="0"/>
+          </a:p>
+          <a:p>
+            <a:r>
+              <a:rPr lang="zh-CN" altLang="en-US" dirty="0" smtClean="0"/>
+              <a:t>默认值</a:t>
+            </a:r>
+            <a:endParaRPr lang="en-US" altLang="zh-CN" dirty="0" smtClean="0"/>
+          </a:p>
+          <a:p>
+            <a:pPr lvl="1"/>
+            <a:r>
+              <a:rPr lang="en-US" altLang="zh-CN" dirty="0"/>
+              <a:t>visible</a:t>
+            </a:r>
+            <a:endParaRPr lang="en-US" altLang="zh-CN" dirty="0" smtClean="0"/>
+          </a:p>
+          <a:p>
+            <a:r>
+              <a:rPr lang="zh-CN" altLang="en-US" dirty="0" smtClean="0"/>
+              <a:t>应用范围</a:t>
+            </a:r>
+            <a:endParaRPr lang="en-US" altLang="zh-CN" dirty="0" smtClean="0"/>
+          </a:p>
+          <a:p>
+            <a:pPr lvl="1"/>
+            <a:r>
+              <a:rPr lang="zh-CN" altLang="en-US" dirty="0" smtClean="0"/>
+              <a:t>非替换块级元素、表单元格、</a:t>
+            </a:r>
+            <a:r>
+              <a:rPr lang="en-US" altLang="zh-CN" dirty="0" smtClean="0"/>
+              <a:t>inline-table</a:t>
+            </a:r>
+            <a:r>
+              <a:rPr lang="zh-CN" altLang="en-US" dirty="0" smtClean="0"/>
+              <a:t>、</a:t>
+            </a:r>
+            <a:r>
+              <a:rPr lang="en-US" altLang="zh-CN" dirty="0" smtClean="0"/>
+              <a:t>inline-block</a:t>
+            </a:r>
+          </a:p>
+          <a:p>
+            <a:r>
+              <a:rPr lang="zh-CN" altLang="en-US" dirty="0" smtClean="0"/>
+              <a:t>值不向下传递</a:t>
+            </a:r>
+            <a:endParaRPr lang="zh-CN" altLang="en-US" dirty="0"/>
+          </a:p>
+        </p:txBody>
+      </p:sp>
+      <p:sp>
+        <p:nvSpPr>
+          <p:cNvPr id="3" name="标题 2"/>
+          <p:cNvSpPr>
+            <a:spLocks noGrp="1"/>
+          </p:cNvSpPr>
+          <p:nvPr>
+            <p:ph type="title"/>
+          </p:nvPr>
+        </p:nvSpPr>
+        <p:spPr/>
+        <p:txBody>
+          <a:bodyPr/>
+          <a:lstStyle/>
+          <a:p>
+            <a:r>
+              <a:rPr lang="en-US" altLang="zh-CN" dirty="0" smtClean="0"/>
+              <a:t>overflow</a:t>
+            </a:r>
+            <a:endParaRPr lang="zh-CN" altLang="en-US" dirty="0"/>
+          </a:p>
+        </p:txBody>
+      </p:sp>
+    </p:spTree>
+    <p:extLst>
+      <p:ext uri="{BB962C8B-B14F-4D97-AF65-F5344CB8AC3E}">
+        <p14:creationId xmlns:p14="http://schemas.microsoft.com/office/powerpoint/2010/main" val="4056678981"/>
+      </p:ext>
+    </p:extLst>
+  </p:cSld>
+  <p:clrMapOvr>
+    <a:masterClrMapping/>
+  </p:clrMapOvr>
+</p:sld>
+</file>
+
+<file path=ppt/slides/slide25.xml><?xml version="1.0" encoding="utf-8"?>
+<p:sld xmlns:a="http://schemas.openxmlformats.org/drawingml/2006/main" xmlns:r="http://schemas.openxmlformats.org/officeDocument/2006/relationships" xmlns:p="http://schemas.openxmlformats.org/presentationml/2006/main">
+  <p:cSld>
+    <p:spTree>
+      <p:nvGrpSpPr>
+        <p:cNvPr id="1" name=""/>
+        <p:cNvGrpSpPr/>
+        <p:nvPr/>
+      </p:nvGrpSpPr>
+      <p:grpSpPr>
+        <a:xfrm>
+          <a:off x="0" y="0"/>
+          <a:ext cx="0" cy="0"/>
+          <a:chOff x="0" y="0"/>
+          <a:chExt cx="0" cy="0"/>
+        </a:xfrm>
+      </p:grpSpPr>
+      <p:sp>
+        <p:nvSpPr>
+          <p:cNvPr id="2" name="内容占位符 1"/>
+          <p:cNvSpPr>
+            <a:spLocks noGrp="1"/>
+          </p:cNvSpPr>
+          <p:nvPr>
+            <p:ph idx="1"/>
+          </p:nvPr>
+        </p:nvSpPr>
+        <p:spPr/>
+        <p:txBody>
+          <a:bodyPr>
+            <a:normAutofit fontScale="92500" lnSpcReduction="20000"/>
+          </a:bodyPr>
+          <a:lstStyle/>
+          <a:p>
+            <a:r>
+              <a:rPr lang="en-US" altLang="zh-CN" dirty="0" smtClean="0"/>
+              <a:t>visible</a:t>
+            </a:r>
+          </a:p>
+          <a:p>
+            <a:pPr lvl="1"/>
+            <a:r>
+              <a:rPr lang="zh-CN" altLang="en-US" dirty="0" smtClean="0"/>
+              <a:t>当内容溢出时不截断</a:t>
+            </a:r>
+            <a:endParaRPr lang="en-US" altLang="zh-CN" dirty="0" smtClean="0"/>
+          </a:p>
+          <a:p>
+            <a:r>
+              <a:rPr lang="en-US" altLang="zh-CN" dirty="0" smtClean="0"/>
+              <a:t>hidden</a:t>
+            </a:r>
+          </a:p>
+          <a:p>
+            <a:pPr lvl="1"/>
+            <a:r>
+              <a:rPr lang="zh-CN" altLang="en-US" dirty="0"/>
+              <a:t>当</a:t>
+            </a:r>
+            <a:r>
+              <a:rPr lang="zh-CN" altLang="en-US" dirty="0" smtClean="0"/>
+              <a:t>内容溢出时截断并且不提供滚动条</a:t>
+            </a:r>
+            <a:endParaRPr lang="en-US" altLang="zh-CN" dirty="0" smtClean="0"/>
+          </a:p>
+          <a:p>
+            <a:r>
+              <a:rPr lang="en-US" altLang="zh-CN" dirty="0" smtClean="0"/>
+              <a:t>scroll</a:t>
+            </a:r>
+          </a:p>
+          <a:p>
+            <a:pPr lvl="1"/>
+            <a:r>
+              <a:rPr lang="zh-CN" altLang="en-US" dirty="0" smtClean="0"/>
+              <a:t>当内容溢出时截断并且提供横向和纵向的滚动条</a:t>
+            </a:r>
+            <a:endParaRPr lang="en-US" altLang="zh-CN" dirty="0" smtClean="0"/>
+          </a:p>
+          <a:p>
+            <a:r>
+              <a:rPr lang="en-US" altLang="zh-CN" dirty="0" smtClean="0"/>
+              <a:t>auto</a:t>
+            </a:r>
+          </a:p>
+          <a:p>
+            <a:pPr lvl="1"/>
+            <a:r>
+              <a:rPr lang="zh-CN" altLang="en-US" smtClean="0"/>
+              <a:t>当内容溢出时截断并根据溢出方向显示滚动条</a:t>
+            </a:r>
+            <a:endParaRPr lang="en-US" altLang="zh-CN" dirty="0" smtClean="0"/>
+          </a:p>
+          <a:p>
+            <a:r>
+              <a:rPr lang="en-US" altLang="zh-CN" dirty="0" smtClean="0"/>
+              <a:t>inherit</a:t>
+            </a:r>
+          </a:p>
+          <a:p>
+            <a:pPr lvl="1"/>
+            <a:r>
+              <a:rPr lang="zh-CN" altLang="en-US" dirty="0" smtClean="0"/>
+              <a:t>从父元素继承该属性的值</a:t>
+            </a:r>
+            <a:endParaRPr lang="zh-CN" altLang="en-US" dirty="0"/>
+          </a:p>
+        </p:txBody>
+      </p:sp>
+      <p:sp>
+        <p:nvSpPr>
+          <p:cNvPr id="3" name="标题 2"/>
+          <p:cNvSpPr>
+            <a:spLocks noGrp="1"/>
+          </p:cNvSpPr>
+          <p:nvPr>
+            <p:ph type="title"/>
+          </p:nvPr>
+        </p:nvSpPr>
+        <p:spPr/>
+        <p:txBody>
+          <a:bodyPr/>
+          <a:lstStyle/>
+          <a:p>
+            <a:r>
+              <a:rPr lang="en-US" altLang="zh-CN" dirty="0" smtClean="0"/>
+              <a:t>overflow - values</a:t>
+            </a:r>
+            <a:endParaRPr lang="zh-CN" altLang="en-US" dirty="0"/>
+          </a:p>
+        </p:txBody>
+      </p:sp>
+    </p:spTree>
+    <p:extLst>
+      <p:ext uri="{BB962C8B-B14F-4D97-AF65-F5344CB8AC3E}">
+        <p14:creationId xmlns:p14="http://schemas.microsoft.com/office/powerpoint/2010/main" val="3954219522"/>
       </p:ext>
     </p:extLst>
   </p:cSld>
@@ -15076,7 +17317,9 @@
         </p:nvSpPr>
         <p:spPr/>
         <p:txBody>
-          <a:bodyPr/>
+          <a:bodyPr>
+            <a:normAutofit lnSpcReduction="10000"/>
+          </a:bodyPr>
           <a:lstStyle/>
           <a:p>
             <a:r>
@@ -15089,7 +17332,11 @@
             </a:r>
             <a:r>
               <a:rPr lang="zh-CN" altLang="en-US" dirty="0" smtClean="0"/>
-              <a:t>标记，把元素摆放在预期的位置上</a:t>
+              <a:t>标记的特性，</a:t>
+            </a:r>
+            <a:r>
+              <a:rPr lang="zh-CN" altLang="en-US" dirty="0" smtClean="0"/>
+              <a:t>把元素摆放在预期的位置上</a:t>
             </a:r>
             <a:endParaRPr lang="en-US" altLang="zh-CN" dirty="0" smtClean="0"/>
           </a:p>
@@ -15111,17 +17358,12 @@
           <a:p>
             <a:r>
               <a:rPr lang="zh-CN" altLang="en-US" dirty="0" smtClean="0"/>
-              <a:t>经典布局元素</a:t>
-            </a:r>
-            <a:endParaRPr lang="en-US" altLang="zh-CN" dirty="0" smtClean="0"/>
-          </a:p>
-          <a:p>
-            <a:pPr lvl="1"/>
-            <a:r>
-              <a:rPr lang="en-US" altLang="zh-CN" dirty="0"/>
-              <a:t>table</a:t>
-            </a:r>
-            <a:endParaRPr lang="en-US" altLang="zh-CN" dirty="0" smtClean="0"/>
+              <a:t>类似于</a:t>
+            </a:r>
+            <a:r>
+              <a:rPr lang="en-US" altLang="zh-CN" dirty="0" smtClean="0"/>
+              <a:t>Excel</a:t>
+            </a:r>
           </a:p>
           <a:p>
             <a:r>
@@ -15134,7 +17376,11 @@
             <a:pPr lvl="1"/>
             <a:r>
               <a:rPr lang="zh-CN" altLang="en-US" dirty="0" smtClean="0"/>
-              <a:t>结构层次明确，不需要计算元素尺寸和定位</a:t>
+              <a:t>结构层次明确，不需要计算元素尺寸和</a:t>
+            </a:r>
+            <a:r>
+              <a:rPr lang="zh-CN" altLang="en-US" dirty="0" smtClean="0"/>
+              <a:t>定位，可以避免浏览器差异</a:t>
             </a:r>
             <a:endParaRPr lang="en-US" altLang="zh-CN" dirty="0" smtClean="0"/>
           </a:p>
@@ -15149,7 +17395,11 @@
             <a:pPr lvl="1"/>
             <a:r>
               <a:rPr lang="zh-CN" altLang="en-US" dirty="0" smtClean="0"/>
-              <a:t>元素嵌套层次多，布局修改麻烦</a:t>
+              <a:t>元素嵌套层次多，布局修改</a:t>
+            </a:r>
+            <a:r>
+              <a:rPr lang="zh-CN" altLang="en-US" dirty="0" smtClean="0"/>
+              <a:t>麻烦，违背了元素原有语义</a:t>
             </a:r>
             <a:endParaRPr lang="zh-CN" altLang="en-US" dirty="0"/>
           </a:p>
@@ -15220,10 +17470,79 @@
         </p:nvSpPr>
         <p:spPr/>
         <p:txBody>
-          <a:bodyPr/>
+          <a:bodyPr>
+            <a:normAutofit/>
+          </a:bodyPr>
           <a:lstStyle/>
           <a:p>
-            <a:endParaRPr lang="zh-CN" altLang="en-US"/>
+            <a:r>
+              <a:rPr lang="zh-CN" altLang="en-US" dirty="0" smtClean="0"/>
+              <a:t>页面元素按模块嵌套</a:t>
+            </a:r>
+            <a:endParaRPr lang="en-US" altLang="zh-CN" dirty="0" smtClean="0"/>
+          </a:p>
+          <a:p>
+            <a:r>
+              <a:rPr lang="zh-CN" altLang="en-US" dirty="0" smtClean="0"/>
+              <a:t>用</a:t>
+            </a:r>
+            <a:r>
+              <a:rPr lang="en-US" altLang="zh-CN" dirty="0" smtClean="0"/>
+              <a:t>CSS</a:t>
+            </a:r>
+            <a:r>
+              <a:rPr lang="zh-CN" altLang="en-US" dirty="0" smtClean="0"/>
+              <a:t>控制元素的位置和显示效果</a:t>
+            </a:r>
+            <a:endParaRPr lang="en-US" altLang="zh-CN" dirty="0" smtClean="0"/>
+          </a:p>
+          <a:p>
+            <a:r>
+              <a:rPr lang="zh-CN" altLang="en-US" dirty="0" smtClean="0"/>
+              <a:t>类似于</a:t>
+            </a:r>
+            <a:r>
+              <a:rPr lang="en-US" altLang="zh-CN" dirty="0" smtClean="0"/>
+              <a:t>Photoshop</a:t>
+            </a:r>
+          </a:p>
+          <a:p>
+            <a:r>
+              <a:rPr lang="zh-CN" altLang="en-US" dirty="0" smtClean="0"/>
+              <a:t>优点</a:t>
+            </a:r>
+            <a:endParaRPr lang="en-US" altLang="zh-CN" dirty="0" smtClean="0"/>
+          </a:p>
+          <a:p>
+            <a:pPr lvl="1"/>
+            <a:r>
+              <a:rPr lang="zh-CN" altLang="en-US" dirty="0" smtClean="0"/>
+              <a:t>布局灵活多变，充分利用</a:t>
+            </a:r>
+            <a:r>
+              <a:rPr lang="en-US" altLang="zh-CN" dirty="0" smtClean="0"/>
+              <a:t>W3C</a:t>
+            </a:r>
+            <a:r>
+              <a:rPr lang="zh-CN" altLang="en-US" dirty="0" smtClean="0"/>
+              <a:t>标准</a:t>
+            </a:r>
+            <a:endParaRPr lang="en-US" altLang="zh-CN" dirty="0" smtClean="0"/>
+          </a:p>
+          <a:p>
+            <a:r>
+              <a:rPr lang="zh-CN" altLang="en-US" dirty="0" smtClean="0"/>
+              <a:t>缺点</a:t>
+            </a:r>
+            <a:endParaRPr lang="en-US" altLang="zh-CN" dirty="0" smtClean="0"/>
+          </a:p>
+          <a:p>
+            <a:pPr lvl="1"/>
+            <a:r>
+              <a:rPr lang="zh-CN" altLang="en-US" dirty="0" smtClean="0"/>
+              <a:t>元素显示顺序不一定与页面结构相同，对元素尺寸敏感，浏览器差异对布局有影响</a:t>
+            </a:r>
+            <a:endParaRPr lang="zh-CN" altLang="en-US" dirty="0"/>
           </a:p>
         </p:txBody>
       </p:sp>
@@ -15254,6 +17573,301 @@
     <p:extLst>
       <p:ext uri="{BB962C8B-B14F-4D97-AF65-F5344CB8AC3E}">
         <p14:creationId xmlns:p14="http://schemas.microsoft.com/office/powerpoint/2010/main" val="4130967594"/>
+      </p:ext>
+    </p:extLst>
+  </p:cSld>
+  <p:clrMapOvr>
+    <a:masterClrMapping/>
+  </p:clrMapOvr>
+</p:sld>
+</file>
+
+<file path=ppt/slides/slide7.xml><?xml version="1.0" encoding="utf-8"?>
+<p:sld xmlns:a="http://schemas.openxmlformats.org/drawingml/2006/main" xmlns:r="http://schemas.openxmlformats.org/officeDocument/2006/relationships" xmlns:p="http://schemas.openxmlformats.org/presentationml/2006/main">
+  <p:cSld>
+    <p:spTree>
+      <p:nvGrpSpPr>
+        <p:cNvPr id="1" name=""/>
+        <p:cNvGrpSpPr/>
+        <p:nvPr/>
+      </p:nvGrpSpPr>
+      <p:grpSpPr>
+        <a:xfrm>
+          <a:off x="0" y="0"/>
+          <a:ext cx="0" cy="0"/>
+          <a:chOff x="0" y="0"/>
+          <a:chExt cx="0" cy="0"/>
+        </a:xfrm>
+      </p:grpSpPr>
+      <p:sp>
+        <p:nvSpPr>
+          <p:cNvPr id="2" name="内容占位符 1"/>
+          <p:cNvSpPr>
+            <a:spLocks noGrp="1"/>
+          </p:cNvSpPr>
+          <p:nvPr>
+            <p:ph idx="1"/>
+          </p:nvPr>
+        </p:nvSpPr>
+        <p:spPr/>
+        <p:txBody>
+          <a:bodyPr/>
+          <a:lstStyle/>
+          <a:p>
+            <a:r>
+              <a:rPr lang="zh-CN" altLang="en-US" dirty="0" smtClean="0"/>
+              <a:t>根据布局的要求而选择恰当的布局方式</a:t>
+            </a:r>
+            <a:endParaRPr lang="en-US" altLang="zh-CN" dirty="0"/>
+          </a:p>
+          <a:p>
+            <a:r>
+              <a:rPr lang="zh-CN" altLang="en-US" dirty="0" smtClean="0"/>
+              <a:t>优点</a:t>
+            </a:r>
+            <a:endParaRPr lang="en-US" altLang="zh-CN" dirty="0" smtClean="0"/>
+          </a:p>
+          <a:p>
+            <a:pPr lvl="1"/>
+            <a:r>
+              <a:rPr lang="zh-CN" altLang="en-US" dirty="0" smtClean="0"/>
+              <a:t>结构明晰，但不失灵活</a:t>
+            </a:r>
+            <a:endParaRPr lang="en-US" altLang="zh-CN" dirty="0" smtClean="0"/>
+          </a:p>
+          <a:p>
+            <a:r>
+              <a:rPr lang="zh-CN" altLang="en-US" dirty="0" smtClean="0"/>
+              <a:t>缺点</a:t>
+            </a:r>
+            <a:endParaRPr lang="en-US" altLang="zh-CN" dirty="0" smtClean="0"/>
+          </a:p>
+          <a:p>
+            <a:pPr lvl="1"/>
+            <a:r>
+              <a:rPr lang="zh-CN" altLang="en-US" dirty="0" smtClean="0"/>
+              <a:t>对编写经验要求较高</a:t>
+            </a:r>
+            <a:endParaRPr lang="zh-CN" altLang="en-US" dirty="0"/>
+          </a:p>
+        </p:txBody>
+      </p:sp>
+      <p:sp>
+        <p:nvSpPr>
+          <p:cNvPr id="3" name="标题 2"/>
+          <p:cNvSpPr>
+            <a:spLocks noGrp="1"/>
+          </p:cNvSpPr>
+          <p:nvPr>
+            <p:ph type="title"/>
+          </p:nvPr>
+        </p:nvSpPr>
+        <p:spPr/>
+        <p:txBody>
+          <a:bodyPr/>
+          <a:lstStyle/>
+          <a:p>
+            <a:r>
+              <a:rPr lang="zh-CN" altLang="en-US" dirty="0" smtClean="0"/>
+              <a:t>混合式布局</a:t>
+            </a:r>
+            <a:endParaRPr lang="zh-CN" altLang="en-US" dirty="0"/>
+          </a:p>
+        </p:txBody>
+      </p:sp>
+    </p:spTree>
+    <p:extLst>
+      <p:ext uri="{BB962C8B-B14F-4D97-AF65-F5344CB8AC3E}">
+        <p14:creationId xmlns:p14="http://schemas.microsoft.com/office/powerpoint/2010/main" val="1910900105"/>
+      </p:ext>
+    </p:extLst>
+  </p:cSld>
+  <p:clrMapOvr>
+    <a:masterClrMapping/>
+  </p:clrMapOvr>
+</p:sld>
+</file>
+
+<file path=ppt/slides/slide8.xml><?xml version="1.0" encoding="utf-8"?>
+<p:sld xmlns:a="http://schemas.openxmlformats.org/drawingml/2006/main" xmlns:r="http://schemas.openxmlformats.org/officeDocument/2006/relationships" xmlns:p="http://schemas.openxmlformats.org/presentationml/2006/main">
+  <p:cSld>
+    <p:spTree>
+      <p:nvGrpSpPr>
+        <p:cNvPr id="1" name=""/>
+        <p:cNvGrpSpPr/>
+        <p:nvPr/>
+      </p:nvGrpSpPr>
+      <p:grpSpPr>
+        <a:xfrm>
+          <a:off x="0" y="0"/>
+          <a:ext cx="0" cy="0"/>
+          <a:chOff x="0" y="0"/>
+          <a:chExt cx="0" cy="0"/>
+        </a:xfrm>
+      </p:grpSpPr>
+      <p:sp>
+        <p:nvSpPr>
+          <p:cNvPr id="2" name="标题 1"/>
+          <p:cNvSpPr>
+            <a:spLocks noGrp="1"/>
+          </p:cNvSpPr>
+          <p:nvPr>
+            <p:ph type="title"/>
+          </p:nvPr>
+        </p:nvSpPr>
+        <p:spPr/>
+        <p:txBody>
+          <a:bodyPr/>
+          <a:lstStyle/>
+          <a:p>
+            <a:r>
+              <a:rPr lang="zh-CN" altLang="en-US" dirty="0"/>
+              <a:t>实例</a:t>
+            </a:r>
+          </a:p>
+        </p:txBody>
+      </p:sp>
+      <p:sp>
+        <p:nvSpPr>
+          <p:cNvPr id="3" name="文本占位符 2"/>
+          <p:cNvSpPr>
+            <a:spLocks noGrp="1"/>
+          </p:cNvSpPr>
+          <p:nvPr>
+            <p:ph type="body" idx="1"/>
+          </p:nvPr>
+        </p:nvSpPr>
+        <p:spPr/>
+        <p:txBody>
+          <a:bodyPr/>
+          <a:lstStyle/>
+          <a:p>
+            <a:endParaRPr lang="zh-CN" altLang="en-US"/>
+          </a:p>
+        </p:txBody>
+      </p:sp>
+    </p:spTree>
+    <p:extLst>
+      <p:ext uri="{BB962C8B-B14F-4D97-AF65-F5344CB8AC3E}">
+        <p14:creationId xmlns:p14="http://schemas.microsoft.com/office/powerpoint/2010/main" val="371894070"/>
+      </p:ext>
+    </p:extLst>
+  </p:cSld>
+  <p:clrMapOvr>
+    <a:masterClrMapping/>
+  </p:clrMapOvr>
+</p:sld>
+</file>
+
+<file path=ppt/slides/slide9.xml><?xml version="1.0" encoding="utf-8"?>
+<p:sld xmlns:a="http://schemas.openxmlformats.org/drawingml/2006/main" xmlns:r="http://schemas.openxmlformats.org/officeDocument/2006/relationships" xmlns:p="http://schemas.openxmlformats.org/presentationml/2006/main">
+  <p:cSld>
+    <p:spTree>
+      <p:nvGrpSpPr>
+        <p:cNvPr id="1" name=""/>
+        <p:cNvGrpSpPr/>
+        <p:nvPr/>
+      </p:nvGrpSpPr>
+      <p:grpSpPr>
+        <a:xfrm>
+          <a:off x="0" y="0"/>
+          <a:ext cx="0" cy="0"/>
+          <a:chOff x="0" y="0"/>
+          <a:chExt cx="0" cy="0"/>
+        </a:xfrm>
+      </p:grpSpPr>
+      <p:sp>
+        <p:nvSpPr>
+          <p:cNvPr id="2" name="内容占位符 1"/>
+          <p:cNvSpPr>
+            <a:spLocks noGrp="1"/>
+          </p:cNvSpPr>
+          <p:nvPr>
+            <p:ph idx="1"/>
+          </p:nvPr>
+        </p:nvSpPr>
+        <p:spPr/>
+        <p:txBody>
+          <a:bodyPr/>
+          <a:lstStyle/>
+          <a:p>
+            <a:r>
+              <a:rPr lang="zh-CN" altLang="en-US" dirty="0" smtClean="0"/>
+              <a:t>传统三段式布局</a:t>
+            </a:r>
+            <a:endParaRPr lang="en-US" altLang="zh-CN" dirty="0" smtClean="0"/>
+          </a:p>
+          <a:p>
+            <a:pPr lvl="1"/>
+            <a:r>
+              <a:rPr lang="zh-CN" altLang="en-US" dirty="0" smtClean="0"/>
+              <a:t>头部、内容、尾部</a:t>
+            </a:r>
+            <a:endParaRPr lang="en-US" altLang="zh-CN" dirty="0" smtClean="0"/>
+          </a:p>
+          <a:p>
+            <a:r>
+              <a:rPr lang="zh-CN" altLang="en-US" dirty="0" smtClean="0"/>
+              <a:t>带侧栏的三段式布局</a:t>
+            </a:r>
+            <a:endParaRPr lang="en-US" altLang="zh-CN" dirty="0" smtClean="0"/>
+          </a:p>
+          <a:p>
+            <a:pPr lvl="1"/>
+            <a:r>
+              <a:rPr lang="zh-CN" altLang="en-US" dirty="0" smtClean="0"/>
+              <a:t>在传统三段式布局的内容部分增加侧栏</a:t>
+            </a:r>
+            <a:endParaRPr lang="en-US" altLang="zh-CN" dirty="0" smtClean="0"/>
+          </a:p>
+          <a:p>
+            <a:r>
+              <a:rPr lang="zh-CN" altLang="en-US" dirty="0"/>
+              <a:t>滚</a:t>
+            </a:r>
+            <a:r>
+              <a:rPr lang="zh-CN" altLang="en-US" dirty="0" smtClean="0"/>
+              <a:t>屏式布局</a:t>
+            </a:r>
+            <a:endParaRPr lang="en-US" altLang="zh-CN" dirty="0" smtClean="0"/>
+          </a:p>
+          <a:p>
+            <a:pPr lvl="1"/>
+            <a:r>
+              <a:rPr lang="zh-CN" altLang="en-US" dirty="0" smtClean="0"/>
+              <a:t>全屏左右或上下滚动切换</a:t>
+            </a:r>
+            <a:endParaRPr lang="zh-CN" altLang="en-US" dirty="0"/>
+          </a:p>
+        </p:txBody>
+      </p:sp>
+      <p:sp>
+        <p:nvSpPr>
+          <p:cNvPr id="3" name="标题 2"/>
+          <p:cNvSpPr>
+            <a:spLocks noGrp="1"/>
+          </p:cNvSpPr>
+          <p:nvPr>
+            <p:ph type="title"/>
+          </p:nvPr>
+        </p:nvSpPr>
+        <p:spPr/>
+        <p:txBody>
+          <a:bodyPr/>
+          <a:lstStyle/>
+          <a:p>
+            <a:r>
+              <a:rPr lang="zh-CN" altLang="en-US" dirty="0" smtClean="0"/>
+              <a:t>常用的页面整体布局</a:t>
+            </a:r>
+            <a:endParaRPr lang="zh-CN" altLang="en-US" dirty="0"/>
+          </a:p>
+        </p:txBody>
+      </p:sp>
+    </p:spTree>
+    <p:extLst>
+      <p:ext uri="{BB962C8B-B14F-4D97-AF65-F5344CB8AC3E}">
+        <p14:creationId xmlns:p14="http://schemas.microsoft.com/office/powerpoint/2010/main" val="1488104432"/>
       </p:ext>
     </p:extLst>
   </p:cSld>

--- a/Tour/Web前端技术_布局.pptx
+++ b/Tour/Web前端技术_布局.pptx
@@ -1943,7 +1943,7 @@
           <a:p>
             <a:fld id="{EF6B6D2C-0481-4146-9B6A-279C71BBC68B}" type="datetimeFigureOut">
               <a:rPr lang="zh-CN" altLang="en-US" smtClean="0"/>
-              <a:t>2013/12/5</a:t>
+              <a:t>2014/1/4</a:t>
             </a:fld>
             <a:endParaRPr lang="zh-CN" altLang="en-US"/>
           </a:p>
@@ -2124,7 +2124,7 @@
           <a:p>
             <a:fld id="{EF6B6D2C-0481-4146-9B6A-279C71BBC68B}" type="datetimeFigureOut">
               <a:rPr lang="zh-CN" altLang="en-US" smtClean="0"/>
-              <a:t>2013/12/5</a:t>
+              <a:t>2014/1/4</a:t>
             </a:fld>
             <a:endParaRPr lang="zh-CN" altLang="en-US"/>
           </a:p>
@@ -2275,7 +2275,7 @@
           <a:p>
             <a:fld id="{EF6B6D2C-0481-4146-9B6A-279C71BBC68B}" type="datetimeFigureOut">
               <a:rPr lang="zh-CN" altLang="en-US" smtClean="0"/>
-              <a:t>2013/12/5</a:t>
+              <a:t>2014/1/4</a:t>
             </a:fld>
             <a:endParaRPr lang="zh-CN" altLang="en-US"/>
           </a:p>
@@ -4101,7 +4101,7 @@
           <a:p>
             <a:fld id="{EF6B6D2C-0481-4146-9B6A-279C71BBC68B}" type="datetimeFigureOut">
               <a:rPr lang="zh-CN" altLang="en-US" smtClean="0"/>
-              <a:t>2013/12/5</a:t>
+              <a:t>2014/1/4</a:t>
             </a:fld>
             <a:endParaRPr lang="zh-CN" altLang="en-US"/>
           </a:p>
@@ -5971,7 +5971,7 @@
           <a:p>
             <a:fld id="{EF6B6D2C-0481-4146-9B6A-279C71BBC68B}" type="datetimeFigureOut">
               <a:rPr lang="zh-CN" altLang="en-US" smtClean="0"/>
-              <a:t>2013/12/5</a:t>
+              <a:t>2014/1/4</a:t>
             </a:fld>
             <a:endParaRPr lang="zh-CN" altLang="en-US"/>
           </a:p>
@@ -6084,7 +6084,7 @@
           <a:p>
             <a:fld id="{EF6B6D2C-0481-4146-9B6A-279C71BBC68B}" type="datetimeFigureOut">
               <a:rPr lang="zh-CN" altLang="en-US" smtClean="0"/>
-              <a:t>2013/12/5</a:t>
+              <a:t>2014/1/4</a:t>
             </a:fld>
             <a:endParaRPr lang="zh-CN" altLang="en-US"/>
           </a:p>
@@ -6625,7 +6625,7 @@
           <a:p>
             <a:fld id="{EF6B6D2C-0481-4146-9B6A-279C71BBC68B}" type="datetimeFigureOut">
               <a:rPr lang="zh-CN" altLang="en-US" smtClean="0"/>
-              <a:t>2013/12/5</a:t>
+              <a:t>2014/1/4</a:t>
             </a:fld>
             <a:endParaRPr lang="zh-CN" altLang="en-US"/>
           </a:p>
@@ -6738,7 +6738,7 @@
           <a:p>
             <a:fld id="{EF6B6D2C-0481-4146-9B6A-279C71BBC68B}" type="datetimeFigureOut">
               <a:rPr lang="zh-CN" altLang="en-US" smtClean="0"/>
-              <a:t>2013/12/5</a:t>
+              <a:t>2014/1/4</a:t>
             </a:fld>
             <a:endParaRPr lang="zh-CN" altLang="en-US"/>
           </a:p>
@@ -8449,7 +8449,7 @@
           <a:p>
             <a:fld id="{EF6B6D2C-0481-4146-9B6A-279C71BBC68B}" type="datetimeFigureOut">
               <a:rPr lang="zh-CN" altLang="en-US" smtClean="0"/>
-              <a:t>2013/12/5</a:t>
+              <a:t>2014/1/4</a:t>
             </a:fld>
             <a:endParaRPr lang="zh-CN" altLang="en-US"/>
           </a:p>
@@ -8600,7 +8600,7 @@
           <a:p>
             <a:fld id="{EF6B6D2C-0481-4146-9B6A-279C71BBC68B}" type="datetimeFigureOut">
               <a:rPr lang="zh-CN" altLang="en-US" smtClean="0"/>
-              <a:t>2013/12/5</a:t>
+              <a:t>2014/1/4</a:t>
             </a:fld>
             <a:endParaRPr lang="zh-CN" altLang="en-US"/>
           </a:p>
@@ -12215,7 +12215,7 @@
           <a:p>
             <a:fld id="{EF6B6D2C-0481-4146-9B6A-279C71BBC68B}" type="datetimeFigureOut">
               <a:rPr lang="zh-CN" altLang="en-US" smtClean="0"/>
-              <a:t>2013/12/5</a:t>
+              <a:t>2014/1/4</a:t>
             </a:fld>
             <a:endParaRPr lang="zh-CN" altLang="en-US"/>
           </a:p>
@@ -14074,7 +14074,7 @@
           <a:p>
             <a:fld id="{EF6B6D2C-0481-4146-9B6A-279C71BBC68B}" type="datetimeFigureOut">
               <a:rPr lang="zh-CN" altLang="en-US" smtClean="0"/>
-              <a:t>2013/12/5</a:t>
+              <a:t>2014/1/4</a:t>
             </a:fld>
             <a:endParaRPr lang="zh-CN" altLang="en-US"/>
           </a:p>
@@ -16246,11 +16246,7 @@
           <a:p>
             <a:r>
               <a:rPr lang="zh-CN" altLang="en-US" dirty="0" smtClean="0"/>
-              <a:t>样式表</a:t>
-            </a:r>
-            <a:r>
-              <a:rPr lang="zh-CN" altLang="en-US" dirty="0" smtClean="0"/>
-              <a:t>布局</a:t>
+              <a:t>样式表布局</a:t>
             </a:r>
           </a:p>
           <a:p>
@@ -17118,8 +17114,12 @@
           </a:p>
           <a:p>
             <a:r>
+              <a:rPr lang="zh-CN" altLang="en-US" smtClean="0"/>
+              <a:t>避免</a:t>
+            </a:r>
+            <a:r>
               <a:rPr lang="zh-CN" altLang="en-US" dirty="0" smtClean="0"/>
-              <a:t>能避免绝大多数的排版</a:t>
+              <a:t>绝大多数的排版</a:t>
             </a:r>
             <a:r>
               <a:rPr lang="en-US" altLang="zh-CN" dirty="0" smtClean="0"/>
@@ -17139,7 +17139,11 @@
             </a:r>
             <a:r>
               <a:rPr lang="zh-CN" altLang="en-US" dirty="0" smtClean="0"/>
-              <a:t>的排版行为与标准冲突</a:t>
+              <a:t>的部分排版</a:t>
+            </a:r>
+            <a:r>
+              <a:rPr lang="zh-CN" altLang="en-US" dirty="0" smtClean="0"/>
+              <a:t>行为与标准冲突</a:t>
             </a:r>
             <a:endParaRPr lang="en-US" altLang="zh-CN" dirty="0" smtClean="0"/>
           </a:p>
@@ -17218,7 +17222,26 @@
           <a:p>
             <a:r>
               <a:rPr lang="zh-CN" altLang="en-US" dirty="0" smtClean="0"/>
-              <a:t>简单布局复杂化</a:t>
+              <a:t>使用非</a:t>
+            </a:r>
+            <a:r>
+              <a:rPr lang="en-US" altLang="zh-CN" dirty="0" smtClean="0"/>
+              <a:t>CSS</a:t>
+            </a:r>
+            <a:r>
+              <a:rPr lang="zh-CN" altLang="en-US" dirty="0" smtClean="0"/>
+              <a:t>的方式定义元素的样式</a:t>
+            </a:r>
+            <a:endParaRPr lang="en-US" altLang="zh-CN" dirty="0" smtClean="0"/>
+          </a:p>
+          <a:p>
+            <a:r>
+              <a:rPr lang="zh-CN" altLang="en-US" dirty="0" smtClean="0"/>
+              <a:t>简单</a:t>
+            </a:r>
+            <a:r>
+              <a:rPr lang="zh-CN" altLang="en-US" dirty="0" smtClean="0"/>
+              <a:t>布局复杂化</a:t>
             </a:r>
             <a:endParaRPr lang="en-US" altLang="zh-CN" dirty="0" smtClean="0"/>
           </a:p>
@@ -17332,11 +17355,7 @@
             </a:r>
             <a:r>
               <a:rPr lang="zh-CN" altLang="en-US" dirty="0" smtClean="0"/>
-              <a:t>标记的特性，</a:t>
-            </a:r>
-            <a:r>
-              <a:rPr lang="zh-CN" altLang="en-US" dirty="0" smtClean="0"/>
-              <a:t>把元素摆放在预期的位置上</a:t>
+              <a:t>标记的特性，把元素摆放在预期的位置上</a:t>
             </a:r>
             <a:endParaRPr lang="en-US" altLang="zh-CN" dirty="0" smtClean="0"/>
           </a:p>
@@ -17376,11 +17395,7 @@
             <a:pPr lvl="1"/>
             <a:r>
               <a:rPr lang="zh-CN" altLang="en-US" dirty="0" smtClean="0"/>
-              <a:t>结构层次明确，不需要计算元素尺寸和</a:t>
-            </a:r>
-            <a:r>
-              <a:rPr lang="zh-CN" altLang="en-US" dirty="0" smtClean="0"/>
-              <a:t>定位，可以避免浏览器差异</a:t>
+              <a:t>结构层次明确，不需要计算元素尺寸和定位，可以避免浏览器差异</a:t>
             </a:r>
             <a:endParaRPr lang="en-US" altLang="zh-CN" dirty="0" smtClean="0"/>
           </a:p>
@@ -17395,11 +17410,7 @@
             <a:pPr lvl="1"/>
             <a:r>
               <a:rPr lang="zh-CN" altLang="en-US" dirty="0" smtClean="0"/>
-              <a:t>元素嵌套层次多，布局修改</a:t>
-            </a:r>
-            <a:r>
-              <a:rPr lang="zh-CN" altLang="en-US" dirty="0" smtClean="0"/>
-              <a:t>麻烦，违背了元素原有语义</a:t>
+              <a:t>元素嵌套层次多，布局修改麻烦，违背了元素原有语义</a:t>
             </a:r>
             <a:endParaRPr lang="zh-CN" altLang="en-US" dirty="0"/>
           </a:p>
